--- a/docs/Praesentation/Fachaustausch_Projektmanagement.pptx
+++ b/docs/Praesentation/Fachaustausch_Projektmanagement.pptx
@@ -35,7 +35,7 @@
       </p:grpSpPr>
       <p:sp>
         <p:nvSpPr>
-          <p:cNvPr id="5" name="PlaceHolder 1"/>
+          <p:cNvPr id="0" name="PlaceHolder 1"/>
           <p:cNvSpPr>
             <a:spLocks noGrp="1"/>
           </p:cNvSpPr>
@@ -45,8 +45,8 @@
         </p:nvSpPr>
         <p:spPr>
           <a:xfrm>
-            <a:off x="504000" y="226080"/>
-            <a:ext cx="9071640" cy="946440"/>
+            <a:off x="504000" y="561600"/>
+            <a:ext cx="9071280" cy="274680"/>
           </a:xfrm>
           <a:prstGeom prst="rect">
             <a:avLst/>
@@ -61,10 +61,21 @@
             <a:spAutoFit/>
           </a:bodyPr>
           <a:p>
-            <a:pPr indent="0" algn="ctr">
+            <a:pPr indent="0">
               <a:buNone/>
             </a:pPr>
-            <a:endParaRPr b="0" lang="de-DE" sz="4400" strike="noStrike" u="none">
+            <a:r>
+              <a:rPr b="0" lang="en-US" sz="1800" strike="noStrike" u="none">
+                <a:solidFill>
+                  <a:srgbClr val="000000"/>
+                </a:solidFill>
+                <a:effectLst/>
+                <a:uFillTx/>
+                <a:latin typeface="Arial"/>
+              </a:rPr>
+              <a:t>Click to edit the title text format</a:t>
+            </a:r>
+            <a:endParaRPr b="0" lang="en-US" sz="1800" strike="noStrike" u="none">
               <a:solidFill>
                 <a:srgbClr val="000000"/>
               </a:solidFill>
@@ -77,18 +88,18 @@
       </p:sp>
       <p:sp>
         <p:nvSpPr>
-          <p:cNvPr id="6" name="PlaceHolder 2"/>
+          <p:cNvPr id="1" name="PlaceHolder 2"/>
           <p:cNvSpPr>
             <a:spLocks noGrp="1"/>
           </p:cNvSpPr>
           <p:nvPr>
-            <p:ph type="subTitle"/>
+            <p:ph type="ftr" idx="1"/>
           </p:nvPr>
         </p:nvSpPr>
         <p:spPr>
           <a:xfrm>
-            <a:off x="504000" y="1326600"/>
-            <a:ext cx="9071640" cy="3288240"/>
+            <a:off x="3447360" y="5165280"/>
+            <a:ext cx="3194640" cy="390240"/>
           </a:xfrm>
           <a:prstGeom prst="rect">
             <a:avLst/>
@@ -99,82 +110,454 @@
           </a:ln>
         </p:spPr>
         <p:txBody>
-          <a:bodyPr lIns="0" rIns="0" tIns="0" bIns="0" anchor="ctr">
-            <a:spAutoFit/>
+          <a:bodyPr lIns="0" rIns="0" tIns="0" bIns="0" anchor="t">
+            <a:noAutofit/>
           </a:bodyPr>
+          <a:lstStyle>
+            <a:lvl1pPr indent="0" algn="ctr">
+              <a:lnSpc>
+                <a:spcPct val="100000"/>
+              </a:lnSpc>
+              <a:buNone/>
+              <a:tabLst>
+                <a:tab algn="l" pos="0"/>
+              </a:tabLst>
+              <a:defRPr b="0" lang="de-DE" sz="1400" strike="noStrike" u="none">
+                <a:solidFill>
+                  <a:srgbClr val="000000"/>
+                </a:solidFill>
+                <a:effectLst/>
+                <a:uFillTx/>
+                <a:latin typeface="Times New Roman"/>
+              </a:defRPr>
+            </a:lvl1pPr>
+          </a:lstStyle>
           <a:p>
             <a:pPr indent="0" algn="ctr">
+              <a:lnSpc>
+                <a:spcPct val="100000"/>
+              </a:lnSpc>
               <a:buNone/>
-            </a:pPr>
-            <a:endParaRPr b="0" lang="de-DE" sz="3200" strike="noStrike" u="none">
-              <a:solidFill>
-                <a:srgbClr val="000000"/>
-              </a:solidFill>
-              <a:effectLst/>
-              <a:uFillTx/>
-              <a:latin typeface="Arial"/>
+              <a:tabLst>
+                <a:tab algn="l" pos="0"/>
+              </a:tabLst>
+            </a:pPr>
+            <a:r>
+              <a:rPr b="0" lang="de-DE" sz="1400" strike="noStrike" u="none">
+                <a:solidFill>
+                  <a:srgbClr val="000000"/>
+                </a:solidFill>
+                <a:effectLst/>
+                <a:uFillTx/>
+                <a:latin typeface="Times New Roman"/>
+              </a:rPr>
+              <a:t>&lt;footer&gt;</a:t>
+            </a:r>
+            <a:endParaRPr b="0" lang="en-US" sz="1400" strike="noStrike" u="none">
+              <a:solidFill>
+                <a:srgbClr val="000000"/>
+              </a:solidFill>
+              <a:effectLst/>
+              <a:uFillTx/>
+              <a:latin typeface="Times New Roman"/>
             </a:endParaRPr>
           </a:p>
         </p:txBody>
       </p:sp>
       <p:sp>
         <p:nvSpPr>
-          <p:cNvPr id="4" name="PlaceHolder 3"/>
+          <p:cNvPr id="2" name="PlaceHolder 3"/>
           <p:cNvSpPr>
             <a:spLocks noGrp="1"/>
           </p:cNvSpPr>
           <p:nvPr>
-            <p:ph type="ftr" idx="2"/>
+            <p:ph type="sldNum" idx="2"/>
           </p:nvPr>
         </p:nvSpPr>
-        <p:spPr/>
+        <p:spPr>
+          <a:xfrm>
+            <a:off x="7227360" y="5165280"/>
+            <a:ext cx="2347920" cy="390240"/>
+          </a:xfrm>
+          <a:prstGeom prst="rect">
+            <a:avLst/>
+          </a:prstGeom>
+          <a:noFill/>
+          <a:ln w="0">
+            <a:noFill/>
+          </a:ln>
+        </p:spPr>
         <p:txBody>
-          <a:bodyPr/>
-          <a:p>
-            <a:r>
-              <a:t>Footer</a:t>
-            </a:r>
+          <a:bodyPr lIns="0" rIns="0" tIns="0" bIns="0" anchor="t">
+            <a:noAutofit/>
+          </a:bodyPr>
+          <a:lstStyle>
+            <a:lvl1pPr indent="0" algn="r">
+              <a:lnSpc>
+                <a:spcPct val="100000"/>
+              </a:lnSpc>
+              <a:buNone/>
+              <a:tabLst>
+                <a:tab algn="l" pos="0"/>
+              </a:tabLst>
+              <a:defRPr b="0" lang="de-DE" sz="1400" strike="noStrike" u="none">
+                <a:solidFill>
+                  <a:srgbClr val="000000"/>
+                </a:solidFill>
+                <a:effectLst/>
+                <a:uFillTx/>
+                <a:latin typeface="Times New Roman"/>
+              </a:defRPr>
+            </a:lvl1pPr>
+          </a:lstStyle>
+          <a:p>
+            <a:pPr indent="0" algn="r">
+              <a:lnSpc>
+                <a:spcPct val="100000"/>
+              </a:lnSpc>
+              <a:buNone/>
+              <a:tabLst>
+                <a:tab algn="l" pos="0"/>
+              </a:tabLst>
+            </a:pPr>
+            <a:fld id="{8A0D8D0D-2AD7-4F74-80D4-AAD7A33EFA2A}" type="slidenum">
+              <a:rPr b="0" lang="de-DE" sz="1400" strike="noStrike" u="none">
+                <a:solidFill>
+                  <a:srgbClr val="000000"/>
+                </a:solidFill>
+                <a:effectLst/>
+                <a:uFillTx/>
+                <a:latin typeface="Times New Roman"/>
+              </a:rPr>
+              <a:t>&lt;number&gt;</a:t>
+            </a:fld>
+            <a:endParaRPr b="0" lang="en-US" sz="1400" strike="noStrike" u="none">
+              <a:solidFill>
+                <a:srgbClr val="000000"/>
+              </a:solidFill>
+              <a:effectLst/>
+              <a:uFillTx/>
+              <a:latin typeface="Times New Roman"/>
+            </a:endParaRPr>
           </a:p>
         </p:txBody>
       </p:sp>
       <p:sp>
         <p:nvSpPr>
-          <p:cNvPr id="5" name="PlaceHolder 4"/>
+          <p:cNvPr id="3" name="PlaceHolder 4"/>
           <p:cNvSpPr>
             <a:spLocks noGrp="1"/>
           </p:cNvSpPr>
           <p:nvPr>
-            <p:ph type="sldNum" idx="3"/>
+            <p:ph type="dt" idx="3"/>
           </p:nvPr>
         </p:nvSpPr>
-        <p:spPr/>
+        <p:spPr>
+          <a:xfrm>
+            <a:off x="504000" y="5165280"/>
+            <a:ext cx="2347920" cy="390240"/>
+          </a:xfrm>
+          <a:prstGeom prst="rect">
+            <a:avLst/>
+          </a:prstGeom>
+          <a:noFill/>
+          <a:ln w="0">
+            <a:noFill/>
+          </a:ln>
+        </p:spPr>
         <p:txBody>
-          <a:bodyPr/>
-          <a:p>
-            <a:fld id="{8EBF8559-3066-4F88-8FE3-A34437EDCF92}" type="slidenum">
-              <a:t>&lt;#&gt;</a:t>
-            </a:fld>
+          <a:bodyPr lIns="0" rIns="0" tIns="0" bIns="0" anchor="t">
+            <a:noAutofit/>
+          </a:bodyPr>
+          <a:lstStyle>
+            <a:lvl1pPr indent="0">
+              <a:buNone/>
+              <a:defRPr b="0" lang="en-US" sz="1400" strike="noStrike" u="none">
+                <a:solidFill>
+                  <a:srgbClr val="000000"/>
+                </a:solidFill>
+                <a:effectLst/>
+                <a:uFillTx/>
+                <a:latin typeface="Times New Roman"/>
+              </a:defRPr>
+            </a:lvl1pPr>
+          </a:lstStyle>
+          <a:p>
+            <a:pPr indent="0">
+              <a:buNone/>
+            </a:pPr>
+            <a:r>
+              <a:rPr b="0" lang="en-US" sz="1400" strike="noStrike" u="none">
+                <a:solidFill>
+                  <a:srgbClr val="000000"/>
+                </a:solidFill>
+                <a:effectLst/>
+                <a:uFillTx/>
+                <a:latin typeface="Times New Roman"/>
+              </a:rPr>
+              <a:t>&lt;date/time&gt;</a:t>
+            </a:r>
+            <a:endParaRPr b="0" lang="en-US" sz="1400" strike="noStrike" u="none">
+              <a:solidFill>
+                <a:srgbClr val="000000"/>
+              </a:solidFill>
+              <a:effectLst/>
+              <a:uFillTx/>
+              <a:latin typeface="Times New Roman"/>
+            </a:endParaRPr>
           </a:p>
         </p:txBody>
       </p:sp>
       <p:sp>
         <p:nvSpPr>
-          <p:cNvPr id="6" name="PlaceHolder 5"/>
+          <p:cNvPr id="4" name="PlaceHolder 5"/>
           <p:cNvSpPr>
             <a:spLocks noGrp="1"/>
           </p:cNvSpPr>
           <p:nvPr>
-            <p:ph type="dt" idx="1"/>
+            <p:ph type="body"/>
           </p:nvPr>
         </p:nvSpPr>
-        <p:spPr/>
+        <p:spPr>
+          <a:xfrm>
+            <a:off x="504000" y="1326600"/>
+            <a:ext cx="9072000" cy="3288600"/>
+          </a:xfrm>
+          <a:prstGeom prst="rect">
+            <a:avLst/>
+          </a:prstGeom>
+          <a:noFill/>
+          <a:ln w="0">
+            <a:noFill/>
+          </a:ln>
+        </p:spPr>
         <p:txBody>
-          <a:bodyPr/>
-          <a:p>
-            <a:r>
-              <a:rPr lang="de-DE"/>
-              <a:t/>
-            </a:r>
+          <a:bodyPr lIns="0" rIns="0" tIns="0" bIns="0" anchor="t">
+            <a:normAutofit/>
+          </a:bodyPr>
+          <a:p>
+            <a:pPr marL="432000" indent="-324000">
+              <a:spcBef>
+                <a:spcPts val="1417"/>
+              </a:spcBef>
+              <a:buClr>
+                <a:srgbClr val="000000"/>
+              </a:buClr>
+              <a:buSzPct val="45000"/>
+              <a:buFont typeface="Wingdings" charset="2"/>
+              <a:buChar char=""/>
+            </a:pPr>
+            <a:r>
+              <a:rPr b="0" lang="en-US" sz="3200" strike="noStrike" u="none">
+                <a:solidFill>
+                  <a:srgbClr val="000000"/>
+                </a:solidFill>
+                <a:effectLst/>
+                <a:uFillTx/>
+                <a:latin typeface="Arial"/>
+              </a:rPr>
+              <a:t>Click to edit the outline text format</a:t>
+            </a:r>
+            <a:endParaRPr b="0" lang="en-US" sz="3200" strike="noStrike" u="none">
+              <a:solidFill>
+                <a:srgbClr val="000000"/>
+              </a:solidFill>
+              <a:effectLst/>
+              <a:uFillTx/>
+              <a:latin typeface="Arial"/>
+            </a:endParaRPr>
+          </a:p>
+          <a:p>
+            <a:pPr lvl="1" marL="864000" indent="-324000">
+              <a:spcBef>
+                <a:spcPts val="1134"/>
+              </a:spcBef>
+              <a:buClr>
+                <a:srgbClr val="000000"/>
+              </a:buClr>
+              <a:buSzPct val="75000"/>
+              <a:buFont typeface="Symbol" charset="2"/>
+              <a:buChar char=""/>
+            </a:pPr>
+            <a:r>
+              <a:rPr b="0" lang="en-US" sz="2800" strike="noStrike" u="none">
+                <a:solidFill>
+                  <a:srgbClr val="000000"/>
+                </a:solidFill>
+                <a:effectLst/>
+                <a:uFillTx/>
+                <a:latin typeface="Arial"/>
+              </a:rPr>
+              <a:t>Second Outline Level</a:t>
+            </a:r>
+            <a:endParaRPr b="0" lang="en-US" sz="2800" strike="noStrike" u="none">
+              <a:solidFill>
+                <a:srgbClr val="000000"/>
+              </a:solidFill>
+              <a:effectLst/>
+              <a:uFillTx/>
+              <a:latin typeface="Arial"/>
+            </a:endParaRPr>
+          </a:p>
+          <a:p>
+            <a:pPr lvl="2" marL="1296000" indent="-288000">
+              <a:spcBef>
+                <a:spcPts val="850"/>
+              </a:spcBef>
+              <a:buClr>
+                <a:srgbClr val="000000"/>
+              </a:buClr>
+              <a:buSzPct val="45000"/>
+              <a:buFont typeface="Wingdings" charset="2"/>
+              <a:buChar char=""/>
+            </a:pPr>
+            <a:r>
+              <a:rPr b="0" lang="en-US" sz="2400" strike="noStrike" u="none">
+                <a:solidFill>
+                  <a:srgbClr val="000000"/>
+                </a:solidFill>
+                <a:effectLst/>
+                <a:uFillTx/>
+                <a:latin typeface="Arial"/>
+              </a:rPr>
+              <a:t>Third Outline Level</a:t>
+            </a:r>
+            <a:endParaRPr b="0" lang="en-US" sz="2400" strike="noStrike" u="none">
+              <a:solidFill>
+                <a:srgbClr val="000000"/>
+              </a:solidFill>
+              <a:effectLst/>
+              <a:uFillTx/>
+              <a:latin typeface="Arial"/>
+            </a:endParaRPr>
+          </a:p>
+          <a:p>
+            <a:pPr lvl="3" marL="1728000" indent="-216000">
+              <a:spcBef>
+                <a:spcPts val="567"/>
+              </a:spcBef>
+              <a:buClr>
+                <a:srgbClr val="000000"/>
+              </a:buClr>
+              <a:buSzPct val="75000"/>
+              <a:buFont typeface="Symbol" charset="2"/>
+              <a:buChar char=""/>
+            </a:pPr>
+            <a:r>
+              <a:rPr b="0" lang="en-US" sz="2000" strike="noStrike" u="none">
+                <a:solidFill>
+                  <a:srgbClr val="000000"/>
+                </a:solidFill>
+                <a:effectLst/>
+                <a:uFillTx/>
+                <a:latin typeface="Arial"/>
+              </a:rPr>
+              <a:t>Fourth Outline Level</a:t>
+            </a:r>
+            <a:endParaRPr b="0" lang="en-US" sz="2000" strike="noStrike" u="none">
+              <a:solidFill>
+                <a:srgbClr val="000000"/>
+              </a:solidFill>
+              <a:effectLst/>
+              <a:uFillTx/>
+              <a:latin typeface="Arial"/>
+            </a:endParaRPr>
+          </a:p>
+          <a:p>
+            <a:pPr lvl="4" marL="2160000" indent="-216000">
+              <a:spcBef>
+                <a:spcPts val="283"/>
+              </a:spcBef>
+              <a:buClr>
+                <a:srgbClr val="000000"/>
+              </a:buClr>
+              <a:buSzPct val="45000"/>
+              <a:buFont typeface="Wingdings" charset="2"/>
+              <a:buChar char=""/>
+            </a:pPr>
+            <a:r>
+              <a:rPr b="0" lang="en-US" sz="2000" strike="noStrike" u="none">
+                <a:solidFill>
+                  <a:srgbClr val="000000"/>
+                </a:solidFill>
+                <a:effectLst/>
+                <a:uFillTx/>
+                <a:latin typeface="Arial"/>
+              </a:rPr>
+              <a:t>Fifth Outline Level</a:t>
+            </a:r>
+            <a:endParaRPr b="0" lang="en-US" sz="2000" strike="noStrike" u="none">
+              <a:solidFill>
+                <a:srgbClr val="000000"/>
+              </a:solidFill>
+              <a:effectLst/>
+              <a:uFillTx/>
+              <a:latin typeface="Arial"/>
+            </a:endParaRPr>
+          </a:p>
+          <a:p>
+            <a:pPr lvl="5" marL="2592000" indent="-216000">
+              <a:spcBef>
+                <a:spcPts val="283"/>
+              </a:spcBef>
+              <a:buClr>
+                <a:srgbClr val="000000"/>
+              </a:buClr>
+              <a:buSzPct val="45000"/>
+              <a:buFont typeface="Wingdings" charset="2"/>
+              <a:buChar char=""/>
+            </a:pPr>
+            <a:r>
+              <a:rPr b="0" lang="en-US" sz="2000" strike="noStrike" u="none">
+                <a:solidFill>
+                  <a:srgbClr val="000000"/>
+                </a:solidFill>
+                <a:effectLst/>
+                <a:uFillTx/>
+                <a:latin typeface="Arial"/>
+              </a:rPr>
+              <a:t>Sixth Outline Level</a:t>
+            </a:r>
+            <a:endParaRPr b="0" lang="en-US" sz="2000" strike="noStrike" u="none">
+              <a:solidFill>
+                <a:srgbClr val="000000"/>
+              </a:solidFill>
+              <a:effectLst/>
+              <a:uFillTx/>
+              <a:latin typeface="Arial"/>
+            </a:endParaRPr>
+          </a:p>
+          <a:p>
+            <a:pPr lvl="6" marL="3024000" indent="-216000">
+              <a:spcBef>
+                <a:spcPts val="283"/>
+              </a:spcBef>
+              <a:buClr>
+                <a:srgbClr val="000000"/>
+              </a:buClr>
+              <a:buSzPct val="45000"/>
+              <a:buFont typeface="Wingdings" charset="2"/>
+              <a:buChar char=""/>
+            </a:pPr>
+            <a:r>
+              <a:rPr b="0" lang="en-US" sz="2000" strike="noStrike" u="none">
+                <a:solidFill>
+                  <a:srgbClr val="000000"/>
+                </a:solidFill>
+                <a:effectLst/>
+                <a:uFillTx/>
+                <a:latin typeface="Arial"/>
+              </a:rPr>
+              <a:t>Seventh Outline Level</a:t>
+            </a:r>
+            <a:endParaRPr b="0" lang="en-US" sz="2000" strike="noStrike" u="none">
+              <a:solidFill>
+                <a:srgbClr val="000000"/>
+              </a:solidFill>
+              <a:effectLst/>
+              <a:uFillTx/>
+              <a:latin typeface="Arial"/>
+            </a:endParaRPr>
           </a:p>
         </p:txBody>
       </p:sp>
@@ -185,7 +568,7 @@
 
 <file path=ppt/slideLayouts/slideLayout2.xml><?xml version="1.0" encoding="utf-8"?>
 <p:sldLayout xmlns:a="http://schemas.openxmlformats.org/drawingml/2006/main" xmlns:p="http://schemas.openxmlformats.org/presentationml/2006/main" xmlns:r="http://schemas.openxmlformats.org/officeDocument/2006/relationships" xmlns:p14="http://schemas.microsoft.com/office/powerpoint/2010/main" xmlns:p15="http://schemas.microsoft.com/office/powerpoint/2012/main" xmlns:mc="http://schemas.openxmlformats.org/markup-compatibility/2006" type="tx" preserve="1">
-  <p:cSld name="Standard">
+  <p:cSld name="Default">
     <p:spTree>
       <p:nvGrpSpPr>
         <p:cNvPr id="1" name=""/>
@@ -202,7 +585,7 @@
       </p:grpSpPr>
       <p:sp>
         <p:nvSpPr>
-          <p:cNvPr id="7" name="PlaceHolder 1"/>
+          <p:cNvPr id="5" name="PlaceHolder 1"/>
           <p:cNvSpPr>
             <a:spLocks noGrp="1"/>
           </p:cNvSpPr>
@@ -212,8 +595,8 @@
         </p:nvSpPr>
         <p:spPr>
           <a:xfrm>
-            <a:off x="504000" y="226080"/>
-            <a:ext cx="9071640" cy="946440"/>
+            <a:off x="504000" y="561600"/>
+            <a:ext cx="9071280" cy="274680"/>
           </a:xfrm>
           <a:prstGeom prst="rect">
             <a:avLst/>
@@ -228,10 +611,21 @@
             <a:spAutoFit/>
           </a:bodyPr>
           <a:p>
-            <a:pPr indent="0" algn="ctr">
+            <a:pPr indent="0">
               <a:buNone/>
             </a:pPr>
-            <a:endParaRPr b="0" lang="de-DE" sz="4400" strike="noStrike" u="none">
+            <a:r>
+              <a:rPr b="0" lang="en-US" sz="1800" strike="noStrike" u="none">
+                <a:solidFill>
+                  <a:srgbClr val="000000"/>
+                </a:solidFill>
+                <a:effectLst/>
+                <a:uFillTx/>
+                <a:latin typeface="Arial"/>
+              </a:rPr>
+              <a:t>Click to edit the title text format</a:t>
+            </a:r>
+            <a:endParaRPr b="0" lang="en-US" sz="1800" strike="noStrike" u="none">
               <a:solidFill>
                 <a:srgbClr val="000000"/>
               </a:solidFill>
@@ -244,18 +638,18 @@
       </p:sp>
       <p:sp>
         <p:nvSpPr>
-          <p:cNvPr id="8" name="PlaceHolder 2"/>
+          <p:cNvPr id="6" name="PlaceHolder 2"/>
           <p:cNvSpPr>
             <a:spLocks noGrp="1"/>
           </p:cNvSpPr>
           <p:nvPr>
-            <p:ph/>
+            <p:ph type="body"/>
           </p:nvPr>
         </p:nvSpPr>
         <p:spPr>
           <a:xfrm>
             <a:off x="504000" y="1326600"/>
-            <a:ext cx="9071640" cy="3288240"/>
+            <a:ext cx="9071280" cy="3287880"/>
           </a:xfrm>
           <a:prstGeom prst="rect">
             <a:avLst/>
@@ -270,13 +664,221 @@
             <a:normAutofit/>
           </a:bodyPr>
           <a:p>
-            <a:pPr indent="0">
+            <a:pPr marL="432000" indent="-324000">
               <a:spcBef>
                 <a:spcPts val="1417"/>
               </a:spcBef>
-              <a:buNone/>
-            </a:pPr>
-            <a:endParaRPr b="0" lang="de-DE" sz="3200" strike="noStrike" u="none">
+              <a:buClr>
+                <a:srgbClr val="000000"/>
+              </a:buClr>
+              <a:buSzPct val="45000"/>
+              <a:buFont typeface="Wingdings" charset="2"/>
+              <a:buChar char=""/>
+            </a:pPr>
+            <a:r>
+              <a:rPr b="0" lang="en-US" sz="1800" strike="noStrike" u="none">
+                <a:solidFill>
+                  <a:srgbClr val="000000"/>
+                </a:solidFill>
+                <a:effectLst/>
+                <a:uFillTx/>
+                <a:latin typeface="Arial"/>
+              </a:rPr>
+              <a:t>Click to edit the outline text format</a:t>
+            </a:r>
+            <a:endParaRPr b="0" lang="en-US" sz="1800" strike="noStrike" u="none">
+              <a:solidFill>
+                <a:srgbClr val="000000"/>
+              </a:solidFill>
+              <a:effectLst/>
+              <a:uFillTx/>
+              <a:latin typeface="Arial"/>
+            </a:endParaRPr>
+          </a:p>
+          <a:p>
+            <a:pPr lvl="1" marL="864000" indent="-324000">
+              <a:spcBef>
+                <a:spcPts val="1134"/>
+              </a:spcBef>
+              <a:buClr>
+                <a:srgbClr val="000000"/>
+              </a:buClr>
+              <a:buSzPct val="75000"/>
+              <a:buFont typeface="Symbol" charset="2"/>
+              <a:buChar char=""/>
+            </a:pPr>
+            <a:r>
+              <a:rPr b="0" lang="en-US" sz="1800" strike="noStrike" u="none">
+                <a:solidFill>
+                  <a:srgbClr val="000000"/>
+                </a:solidFill>
+                <a:effectLst/>
+                <a:uFillTx/>
+                <a:latin typeface="Arial"/>
+              </a:rPr>
+              <a:t>Second Outline Level</a:t>
+            </a:r>
+            <a:endParaRPr b="0" lang="en-US" sz="1800" strike="noStrike" u="none">
+              <a:solidFill>
+                <a:srgbClr val="000000"/>
+              </a:solidFill>
+              <a:effectLst/>
+              <a:uFillTx/>
+              <a:latin typeface="Arial"/>
+            </a:endParaRPr>
+          </a:p>
+          <a:p>
+            <a:pPr lvl="2" marL="1296000" indent="-288000">
+              <a:spcBef>
+                <a:spcPts val="850"/>
+              </a:spcBef>
+              <a:buClr>
+                <a:srgbClr val="000000"/>
+              </a:buClr>
+              <a:buSzPct val="45000"/>
+              <a:buFont typeface="Wingdings" charset="2"/>
+              <a:buChar char=""/>
+            </a:pPr>
+            <a:r>
+              <a:rPr b="0" lang="en-US" sz="1800" strike="noStrike" u="none">
+                <a:solidFill>
+                  <a:srgbClr val="000000"/>
+                </a:solidFill>
+                <a:effectLst/>
+                <a:uFillTx/>
+                <a:latin typeface="Arial"/>
+              </a:rPr>
+              <a:t>Third Outline Level</a:t>
+            </a:r>
+            <a:endParaRPr b="0" lang="en-US" sz="1800" strike="noStrike" u="none">
+              <a:solidFill>
+                <a:srgbClr val="000000"/>
+              </a:solidFill>
+              <a:effectLst/>
+              <a:uFillTx/>
+              <a:latin typeface="Arial"/>
+            </a:endParaRPr>
+          </a:p>
+          <a:p>
+            <a:pPr lvl="3" marL="1728000" indent="-216000">
+              <a:spcBef>
+                <a:spcPts val="567"/>
+              </a:spcBef>
+              <a:buClr>
+                <a:srgbClr val="000000"/>
+              </a:buClr>
+              <a:buSzPct val="75000"/>
+              <a:buFont typeface="Symbol" charset="2"/>
+              <a:buChar char=""/>
+            </a:pPr>
+            <a:r>
+              <a:rPr b="0" lang="en-US" sz="1800" strike="noStrike" u="none">
+                <a:solidFill>
+                  <a:srgbClr val="000000"/>
+                </a:solidFill>
+                <a:effectLst/>
+                <a:uFillTx/>
+                <a:latin typeface="Arial"/>
+              </a:rPr>
+              <a:t>Fourth Outline Level</a:t>
+            </a:r>
+            <a:endParaRPr b="0" lang="en-US" sz="1800" strike="noStrike" u="none">
+              <a:solidFill>
+                <a:srgbClr val="000000"/>
+              </a:solidFill>
+              <a:effectLst/>
+              <a:uFillTx/>
+              <a:latin typeface="Arial"/>
+            </a:endParaRPr>
+          </a:p>
+          <a:p>
+            <a:pPr lvl="4" marL="2160000" indent="-216000">
+              <a:spcBef>
+                <a:spcPts val="283"/>
+              </a:spcBef>
+              <a:buClr>
+                <a:srgbClr val="000000"/>
+              </a:buClr>
+              <a:buSzPct val="45000"/>
+              <a:buFont typeface="Wingdings" charset="2"/>
+              <a:buChar char=""/>
+            </a:pPr>
+            <a:r>
+              <a:rPr b="0" lang="en-US" sz="1800" strike="noStrike" u="none">
+                <a:solidFill>
+                  <a:srgbClr val="000000"/>
+                </a:solidFill>
+                <a:effectLst/>
+                <a:uFillTx/>
+                <a:latin typeface="Arial"/>
+              </a:rPr>
+              <a:t>Fifth Outline Level</a:t>
+            </a:r>
+            <a:endParaRPr b="0" lang="en-US" sz="1800" strike="noStrike" u="none">
+              <a:solidFill>
+                <a:srgbClr val="000000"/>
+              </a:solidFill>
+              <a:effectLst/>
+              <a:uFillTx/>
+              <a:latin typeface="Arial"/>
+            </a:endParaRPr>
+          </a:p>
+          <a:p>
+            <a:pPr lvl="5" marL="2592000" indent="-216000">
+              <a:spcBef>
+                <a:spcPts val="283"/>
+              </a:spcBef>
+              <a:buClr>
+                <a:srgbClr val="000000"/>
+              </a:buClr>
+              <a:buSzPct val="45000"/>
+              <a:buFont typeface="Wingdings" charset="2"/>
+              <a:buChar char=""/>
+            </a:pPr>
+            <a:r>
+              <a:rPr b="0" lang="en-US" sz="1800" strike="noStrike" u="none">
+                <a:solidFill>
+                  <a:srgbClr val="000000"/>
+                </a:solidFill>
+                <a:effectLst/>
+                <a:uFillTx/>
+                <a:latin typeface="Arial"/>
+              </a:rPr>
+              <a:t>Sixth Outline Level</a:t>
+            </a:r>
+            <a:endParaRPr b="0" lang="en-US" sz="1800" strike="noStrike" u="none">
+              <a:solidFill>
+                <a:srgbClr val="000000"/>
+              </a:solidFill>
+              <a:effectLst/>
+              <a:uFillTx/>
+              <a:latin typeface="Arial"/>
+            </a:endParaRPr>
+          </a:p>
+          <a:p>
+            <a:pPr lvl="6" marL="3024000" indent="-216000">
+              <a:spcBef>
+                <a:spcPts val="283"/>
+              </a:spcBef>
+              <a:buClr>
+                <a:srgbClr val="000000"/>
+              </a:buClr>
+              <a:buSzPct val="45000"/>
+              <a:buFont typeface="Wingdings" charset="2"/>
+              <a:buChar char=""/>
+            </a:pPr>
+            <a:r>
+              <a:rPr b="0" lang="en-US" sz="1800" strike="noStrike" u="none">
+                <a:solidFill>
+                  <a:srgbClr val="000000"/>
+                </a:solidFill>
+                <a:effectLst/>
+                <a:uFillTx/>
+                <a:latin typeface="Arial"/>
+              </a:rPr>
+              <a:t>Seventh Outline Level</a:t>
+            </a:r>
+            <a:endParaRPr b="0" lang="en-US" sz="1800" strike="noStrike" u="none">
               <a:solidFill>
                 <a:srgbClr val="000000"/>
               </a:solidFill>
@@ -289,62 +891,223 @@
       </p:sp>
       <p:sp>
         <p:nvSpPr>
-          <p:cNvPr id="4" name="PlaceHolder 3"/>
+          <p:cNvPr id="7" name="PlaceHolder 3"/>
           <p:cNvSpPr>
             <a:spLocks noGrp="1"/>
           </p:cNvSpPr>
           <p:nvPr>
-            <p:ph type="ftr" idx="2"/>
+            <p:ph type="ftr" idx="4"/>
           </p:nvPr>
         </p:nvSpPr>
-        <p:spPr/>
+        <p:spPr>
+          <a:xfrm>
+            <a:off x="3447360" y="5165280"/>
+            <a:ext cx="3194640" cy="390240"/>
+          </a:xfrm>
+          <a:prstGeom prst="rect">
+            <a:avLst/>
+          </a:prstGeom>
+          <a:noFill/>
+          <a:ln w="0">
+            <a:noFill/>
+          </a:ln>
+        </p:spPr>
         <p:txBody>
-          <a:bodyPr/>
-          <a:p>
-            <a:r>
-              <a:t>Footer</a:t>
-            </a:r>
+          <a:bodyPr lIns="0" rIns="0" tIns="0" bIns="0" anchor="t">
+            <a:noAutofit/>
+          </a:bodyPr>
+          <a:lstStyle>
+            <a:lvl1pPr indent="0" algn="ctr">
+              <a:lnSpc>
+                <a:spcPct val="100000"/>
+              </a:lnSpc>
+              <a:buNone/>
+              <a:tabLst>
+                <a:tab algn="l" pos="0"/>
+              </a:tabLst>
+              <a:defRPr b="0" lang="de-DE" sz="1400" strike="noStrike" u="none">
+                <a:solidFill>
+                  <a:srgbClr val="000000"/>
+                </a:solidFill>
+                <a:effectLst/>
+                <a:uFillTx/>
+                <a:latin typeface="Times New Roman"/>
+              </a:defRPr>
+            </a:lvl1pPr>
+          </a:lstStyle>
+          <a:p>
+            <a:pPr indent="0" algn="ctr">
+              <a:lnSpc>
+                <a:spcPct val="100000"/>
+              </a:lnSpc>
+              <a:buNone/>
+              <a:tabLst>
+                <a:tab algn="l" pos="0"/>
+              </a:tabLst>
+            </a:pPr>
+            <a:r>
+              <a:rPr b="0" lang="de-DE" sz="1400" strike="noStrike" u="none">
+                <a:solidFill>
+                  <a:srgbClr val="000000"/>
+                </a:solidFill>
+                <a:effectLst/>
+                <a:uFillTx/>
+                <a:latin typeface="Times New Roman"/>
+              </a:rPr>
+              <a:t>&lt;footer&gt;</a:t>
+            </a:r>
+            <a:endParaRPr b="0" lang="en-US" sz="1400" strike="noStrike" u="none">
+              <a:solidFill>
+                <a:srgbClr val="000000"/>
+              </a:solidFill>
+              <a:effectLst/>
+              <a:uFillTx/>
+              <a:latin typeface="Times New Roman"/>
+            </a:endParaRPr>
           </a:p>
         </p:txBody>
       </p:sp>
       <p:sp>
         <p:nvSpPr>
-          <p:cNvPr id="5" name="PlaceHolder 4"/>
+          <p:cNvPr id="8" name="PlaceHolder 4"/>
           <p:cNvSpPr>
             <a:spLocks noGrp="1"/>
           </p:cNvSpPr>
           <p:nvPr>
-            <p:ph type="sldNum" idx="3"/>
+            <p:ph type="sldNum" idx="5"/>
           </p:nvPr>
         </p:nvSpPr>
-        <p:spPr/>
+        <p:spPr>
+          <a:xfrm>
+            <a:off x="7227360" y="5165280"/>
+            <a:ext cx="2347920" cy="390240"/>
+          </a:xfrm>
+          <a:prstGeom prst="rect">
+            <a:avLst/>
+          </a:prstGeom>
+          <a:noFill/>
+          <a:ln w="0">
+            <a:noFill/>
+          </a:ln>
+        </p:spPr>
         <p:txBody>
-          <a:bodyPr/>
-          <a:p>
-            <a:fld id="{07069930-AB23-4F8C-BF5F-A42FC8CBBE76}" type="slidenum">
-              <a:t>&lt;#&gt;</a:t>
+          <a:bodyPr lIns="0" rIns="0" tIns="0" bIns="0" anchor="t">
+            <a:noAutofit/>
+          </a:bodyPr>
+          <a:lstStyle>
+            <a:lvl1pPr indent="0" algn="r">
+              <a:lnSpc>
+                <a:spcPct val="100000"/>
+              </a:lnSpc>
+              <a:buNone/>
+              <a:tabLst>
+                <a:tab algn="l" pos="0"/>
+              </a:tabLst>
+              <a:defRPr b="0" lang="de-DE" sz="1400" strike="noStrike" u="none">
+                <a:solidFill>
+                  <a:srgbClr val="000000"/>
+                </a:solidFill>
+                <a:effectLst/>
+                <a:uFillTx/>
+                <a:latin typeface="Times New Roman"/>
+              </a:defRPr>
+            </a:lvl1pPr>
+          </a:lstStyle>
+          <a:p>
+            <a:pPr indent="0" algn="r">
+              <a:lnSpc>
+                <a:spcPct val="100000"/>
+              </a:lnSpc>
+              <a:buNone/>
+              <a:tabLst>
+                <a:tab algn="l" pos="0"/>
+              </a:tabLst>
+            </a:pPr>
+            <a:fld id="{B4D29177-0C66-4A05-9E98-62E46D64B6CB}" type="slidenum">
+              <a:rPr b="0" lang="de-DE" sz="1400" strike="noStrike" u="none">
+                <a:solidFill>
+                  <a:srgbClr val="000000"/>
+                </a:solidFill>
+                <a:effectLst/>
+                <a:uFillTx/>
+                <a:latin typeface="Times New Roman"/>
+              </a:rPr>
+              <a:t>&lt;number&gt;</a:t>
             </a:fld>
+            <a:endParaRPr b="0" lang="en-US" sz="1400" strike="noStrike" u="none">
+              <a:solidFill>
+                <a:srgbClr val="000000"/>
+              </a:solidFill>
+              <a:effectLst/>
+              <a:uFillTx/>
+              <a:latin typeface="Times New Roman"/>
+            </a:endParaRPr>
           </a:p>
         </p:txBody>
       </p:sp>
       <p:sp>
         <p:nvSpPr>
-          <p:cNvPr id="6" name="PlaceHolder 5"/>
+          <p:cNvPr id="9" name="PlaceHolder 5"/>
           <p:cNvSpPr>
             <a:spLocks noGrp="1"/>
           </p:cNvSpPr>
           <p:nvPr>
-            <p:ph type="dt" idx="1"/>
+            <p:ph type="dt" idx="6"/>
           </p:nvPr>
         </p:nvSpPr>
-        <p:spPr/>
+        <p:spPr>
+          <a:xfrm>
+            <a:off x="504000" y="5165280"/>
+            <a:ext cx="2347920" cy="390240"/>
+          </a:xfrm>
+          <a:prstGeom prst="rect">
+            <a:avLst/>
+          </a:prstGeom>
+          <a:noFill/>
+          <a:ln w="0">
+            <a:noFill/>
+          </a:ln>
+        </p:spPr>
         <p:txBody>
-          <a:bodyPr/>
-          <a:p>
-            <a:r>
-              <a:rPr lang="de-DE"/>
-              <a:t/>
-            </a:r>
+          <a:bodyPr lIns="0" rIns="0" tIns="0" bIns="0" anchor="t">
+            <a:noAutofit/>
+          </a:bodyPr>
+          <a:lstStyle>
+            <a:lvl1pPr indent="0">
+              <a:buNone/>
+              <a:defRPr b="0" lang="en-US" sz="1400" strike="noStrike" u="none">
+                <a:solidFill>
+                  <a:srgbClr val="000000"/>
+                </a:solidFill>
+                <a:effectLst/>
+                <a:uFillTx/>
+                <a:latin typeface="Times New Roman"/>
+              </a:defRPr>
+            </a:lvl1pPr>
+          </a:lstStyle>
+          <a:p>
+            <a:pPr indent="0">
+              <a:buNone/>
+            </a:pPr>
+            <a:r>
+              <a:rPr b="0" lang="en-US" sz="1400" strike="noStrike" u="none">
+                <a:solidFill>
+                  <a:srgbClr val="000000"/>
+                </a:solidFill>
+                <a:effectLst/>
+                <a:uFillTx/>
+                <a:latin typeface="Times New Roman"/>
+              </a:rPr>
+              <a:t>&lt;date/time&gt;</a:t>
+            </a:r>
+            <a:endParaRPr b="0" lang="en-US" sz="1400" strike="noStrike" u="none">
+              <a:solidFill>
+                <a:srgbClr val="000000"/>
+              </a:solidFill>
+              <a:effectLst/>
+              <a:uFillTx/>
+              <a:latin typeface="Times New Roman"/>
+            </a:endParaRPr>
           </a:p>
         </p:txBody>
       </p:sp>
@@ -370,510 +1133,6 @@
           <a:chExt cx="0" cy="0"/>
         </a:xfrm>
       </p:grpSpPr>
-      <p:sp>
-        <p:nvSpPr>
-          <p:cNvPr id="0" name="PlaceHolder 1"/>
-          <p:cNvSpPr>
-            <a:spLocks noGrp="1"/>
-          </p:cNvSpPr>
-          <p:nvPr>
-            <p:ph type="title"/>
-          </p:nvPr>
-        </p:nvSpPr>
-        <p:spPr>
-          <a:xfrm>
-            <a:off x="504000" y="226080"/>
-            <a:ext cx="9071640" cy="946440"/>
-          </a:xfrm>
-          <a:prstGeom prst="rect">
-            <a:avLst/>
-          </a:prstGeom>
-          <a:noFill/>
-          <a:ln w="0">
-            <a:noFill/>
-          </a:ln>
-        </p:spPr>
-        <p:txBody>
-          <a:bodyPr lIns="0" rIns="0" tIns="0" bIns="0" anchor="ctr">
-            <a:noAutofit/>
-          </a:bodyPr>
-          <a:p>
-            <a:pPr indent="0" algn="ctr">
-              <a:buNone/>
-            </a:pPr>
-            <a:r>
-              <a:rPr b="0" lang="de-DE" sz="4400" strike="noStrike" u="none">
-                <a:solidFill>
-                  <a:srgbClr val="000000"/>
-                </a:solidFill>
-                <a:effectLst/>
-                <a:uFillTx/>
-                <a:latin typeface="Arial"/>
-              </a:rPr>
-              <a:t>Format des Titeltextes durch Klicken bearbeiten</a:t>
-            </a:r>
-            <a:endParaRPr b="0" lang="de-DE" sz="4400" strike="noStrike" u="none">
-              <a:solidFill>
-                <a:srgbClr val="000000"/>
-              </a:solidFill>
-              <a:effectLst/>
-              <a:uFillTx/>
-              <a:latin typeface="Arial"/>
-            </a:endParaRPr>
-          </a:p>
-        </p:txBody>
-      </p:sp>
-      <p:sp>
-        <p:nvSpPr>
-          <p:cNvPr id="1" name="PlaceHolder 2"/>
-          <p:cNvSpPr>
-            <a:spLocks noGrp="1"/>
-          </p:cNvSpPr>
-          <p:nvPr>
-            <p:ph type="body"/>
-          </p:nvPr>
-        </p:nvSpPr>
-        <p:spPr>
-          <a:xfrm>
-            <a:off x="504000" y="1326600"/>
-            <a:ext cx="9071640" cy="3288240"/>
-          </a:xfrm>
-          <a:prstGeom prst="rect">
-            <a:avLst/>
-          </a:prstGeom>
-          <a:noFill/>
-          <a:ln w="0">
-            <a:noFill/>
-          </a:ln>
-        </p:spPr>
-        <p:txBody>
-          <a:bodyPr lIns="0" rIns="0" tIns="0" bIns="0" anchor="t">
-            <a:normAutofit/>
-          </a:bodyPr>
-          <a:p>
-            <a:pPr marL="432000" indent="-324000">
-              <a:spcBef>
-                <a:spcPts val="1417"/>
-              </a:spcBef>
-              <a:buClr>
-                <a:srgbClr val="000000"/>
-              </a:buClr>
-              <a:buSzPct val="45000"/>
-              <a:buFont typeface="Wingdings" charset="2"/>
-              <a:buChar char=""/>
-            </a:pPr>
-            <a:r>
-              <a:rPr b="0" lang="de-DE" sz="3200" strike="noStrike" u="none">
-                <a:solidFill>
-                  <a:srgbClr val="000000"/>
-                </a:solidFill>
-                <a:effectLst/>
-                <a:uFillTx/>
-                <a:latin typeface="Arial"/>
-              </a:rPr>
-              <a:t>Format des Gliederungstextes durch Klicken bearbeiten</a:t>
-            </a:r>
-            <a:endParaRPr b="0" lang="de-DE" sz="3200" strike="noStrike" u="none">
-              <a:solidFill>
-                <a:srgbClr val="000000"/>
-              </a:solidFill>
-              <a:effectLst/>
-              <a:uFillTx/>
-              <a:latin typeface="Arial"/>
-            </a:endParaRPr>
-          </a:p>
-          <a:p>
-            <a:pPr lvl="1" marL="864000" indent="-324000">
-              <a:spcBef>
-                <a:spcPts val="1134"/>
-              </a:spcBef>
-              <a:buClr>
-                <a:srgbClr val="000000"/>
-              </a:buClr>
-              <a:buSzPct val="75000"/>
-              <a:buFont typeface="Symbol" charset="2"/>
-              <a:buChar char=""/>
-            </a:pPr>
-            <a:r>
-              <a:rPr b="0" lang="de-DE" sz="2800" strike="noStrike" u="none">
-                <a:solidFill>
-                  <a:srgbClr val="000000"/>
-                </a:solidFill>
-                <a:effectLst/>
-                <a:uFillTx/>
-                <a:latin typeface="Arial"/>
-              </a:rPr>
-              <a:t>Zweite Gliederungsebene</a:t>
-            </a:r>
-            <a:endParaRPr b="0" lang="de-DE" sz="2800" strike="noStrike" u="none">
-              <a:solidFill>
-                <a:srgbClr val="000000"/>
-              </a:solidFill>
-              <a:effectLst/>
-              <a:uFillTx/>
-              <a:latin typeface="Arial"/>
-            </a:endParaRPr>
-          </a:p>
-          <a:p>
-            <a:pPr lvl="2" marL="1296000" indent="-288000">
-              <a:spcBef>
-                <a:spcPts val="850"/>
-              </a:spcBef>
-              <a:buClr>
-                <a:srgbClr val="000000"/>
-              </a:buClr>
-              <a:buSzPct val="45000"/>
-              <a:buFont typeface="Wingdings" charset="2"/>
-              <a:buChar char=""/>
-            </a:pPr>
-            <a:r>
-              <a:rPr b="0" lang="de-DE" sz="2400" strike="noStrike" u="none">
-                <a:solidFill>
-                  <a:srgbClr val="000000"/>
-                </a:solidFill>
-                <a:effectLst/>
-                <a:uFillTx/>
-                <a:latin typeface="Arial"/>
-              </a:rPr>
-              <a:t>Dritte Gliederungsebene</a:t>
-            </a:r>
-            <a:endParaRPr b="0" lang="de-DE" sz="2400" strike="noStrike" u="none">
-              <a:solidFill>
-                <a:srgbClr val="000000"/>
-              </a:solidFill>
-              <a:effectLst/>
-              <a:uFillTx/>
-              <a:latin typeface="Arial"/>
-            </a:endParaRPr>
-          </a:p>
-          <a:p>
-            <a:pPr lvl="3" marL="1728000" indent="-216000">
-              <a:spcBef>
-                <a:spcPts val="567"/>
-              </a:spcBef>
-              <a:buClr>
-                <a:srgbClr val="000000"/>
-              </a:buClr>
-              <a:buSzPct val="75000"/>
-              <a:buFont typeface="Symbol" charset="2"/>
-              <a:buChar char=""/>
-            </a:pPr>
-            <a:r>
-              <a:rPr b="0" lang="de-DE" sz="2000" strike="noStrike" u="none">
-                <a:solidFill>
-                  <a:srgbClr val="000000"/>
-                </a:solidFill>
-                <a:effectLst/>
-                <a:uFillTx/>
-                <a:latin typeface="Arial"/>
-              </a:rPr>
-              <a:t>Vierte Gliederungsebene</a:t>
-            </a:r>
-            <a:endParaRPr b="0" lang="de-DE" sz="2000" strike="noStrike" u="none">
-              <a:solidFill>
-                <a:srgbClr val="000000"/>
-              </a:solidFill>
-              <a:effectLst/>
-              <a:uFillTx/>
-              <a:latin typeface="Arial"/>
-            </a:endParaRPr>
-          </a:p>
-          <a:p>
-            <a:pPr lvl="4" marL="2160000" indent="-216000">
-              <a:spcBef>
-                <a:spcPts val="283"/>
-              </a:spcBef>
-              <a:buClr>
-                <a:srgbClr val="000000"/>
-              </a:buClr>
-              <a:buSzPct val="45000"/>
-              <a:buFont typeface="Wingdings" charset="2"/>
-              <a:buChar char=""/>
-            </a:pPr>
-            <a:r>
-              <a:rPr b="0" lang="de-DE" sz="2000" strike="noStrike" u="none">
-                <a:solidFill>
-                  <a:srgbClr val="000000"/>
-                </a:solidFill>
-                <a:effectLst/>
-                <a:uFillTx/>
-                <a:latin typeface="Arial"/>
-              </a:rPr>
-              <a:t>Fünfte Gliederungsebene</a:t>
-            </a:r>
-            <a:endParaRPr b="0" lang="de-DE" sz="2000" strike="noStrike" u="none">
-              <a:solidFill>
-                <a:srgbClr val="000000"/>
-              </a:solidFill>
-              <a:effectLst/>
-              <a:uFillTx/>
-              <a:latin typeface="Arial"/>
-            </a:endParaRPr>
-          </a:p>
-          <a:p>
-            <a:pPr lvl="5" marL="2592000" indent="-216000">
-              <a:spcBef>
-                <a:spcPts val="283"/>
-              </a:spcBef>
-              <a:buClr>
-                <a:srgbClr val="000000"/>
-              </a:buClr>
-              <a:buSzPct val="45000"/>
-              <a:buFont typeface="Wingdings" charset="2"/>
-              <a:buChar char=""/>
-            </a:pPr>
-            <a:r>
-              <a:rPr b="0" lang="de-DE" sz="2000" strike="noStrike" u="none">
-                <a:solidFill>
-                  <a:srgbClr val="000000"/>
-                </a:solidFill>
-                <a:effectLst/>
-                <a:uFillTx/>
-                <a:latin typeface="Arial"/>
-              </a:rPr>
-              <a:t>Sechste Gliederungsebene</a:t>
-            </a:r>
-            <a:endParaRPr b="0" lang="de-DE" sz="2000" strike="noStrike" u="none">
-              <a:solidFill>
-                <a:srgbClr val="000000"/>
-              </a:solidFill>
-              <a:effectLst/>
-              <a:uFillTx/>
-              <a:latin typeface="Arial"/>
-            </a:endParaRPr>
-          </a:p>
-          <a:p>
-            <a:pPr lvl="6" marL="3024000" indent="-216000">
-              <a:spcBef>
-                <a:spcPts val="283"/>
-              </a:spcBef>
-              <a:buClr>
-                <a:srgbClr val="000000"/>
-              </a:buClr>
-              <a:buSzPct val="45000"/>
-              <a:buFont typeface="Wingdings" charset="2"/>
-              <a:buChar char=""/>
-            </a:pPr>
-            <a:r>
-              <a:rPr b="0" lang="de-DE" sz="2000" strike="noStrike" u="none">
-                <a:solidFill>
-                  <a:srgbClr val="000000"/>
-                </a:solidFill>
-                <a:effectLst/>
-                <a:uFillTx/>
-                <a:latin typeface="Arial"/>
-              </a:rPr>
-              <a:t>Siebte Gliederungsebene</a:t>
-            </a:r>
-            <a:endParaRPr b="0" lang="de-DE" sz="2000" strike="noStrike" u="none">
-              <a:solidFill>
-                <a:srgbClr val="000000"/>
-              </a:solidFill>
-              <a:effectLst/>
-              <a:uFillTx/>
-              <a:latin typeface="Arial"/>
-            </a:endParaRPr>
-          </a:p>
-        </p:txBody>
-      </p:sp>
-      <p:sp>
-        <p:nvSpPr>
-          <p:cNvPr id="2" name="PlaceHolder 3"/>
-          <p:cNvSpPr>
-            <a:spLocks noGrp="1"/>
-          </p:cNvSpPr>
-          <p:nvPr>
-            <p:ph type="dt" idx="1"/>
-          </p:nvPr>
-        </p:nvSpPr>
-        <p:spPr>
-          <a:xfrm>
-            <a:off x="504000" y="5165280"/>
-            <a:ext cx="2348280" cy="390600"/>
-          </a:xfrm>
-          <a:prstGeom prst="rect">
-            <a:avLst/>
-          </a:prstGeom>
-          <a:noFill/>
-          <a:ln w="0">
-            <a:noFill/>
-          </a:ln>
-        </p:spPr>
-        <p:txBody>
-          <a:bodyPr lIns="0" rIns="0" tIns="0" bIns="0" anchor="t">
-            <a:noAutofit/>
-          </a:bodyPr>
-          <a:lstStyle>
-            <a:lvl1pPr indent="0">
-              <a:buNone/>
-              <a:defRPr b="0" lang="de-DE" sz="1400" strike="noStrike" u="none">
-                <a:solidFill>
-                  <a:srgbClr val="000000"/>
-                </a:solidFill>
-                <a:effectLst/>
-                <a:uFillTx/>
-                <a:latin typeface="Times New Roman"/>
-              </a:defRPr>
-            </a:lvl1pPr>
-          </a:lstStyle>
-          <a:p>
-            <a:pPr indent="0">
-              <a:buNone/>
-            </a:pPr>
-            <a:r>
-              <a:rPr b="0" lang="de-DE" sz="1400" strike="noStrike" u="none">
-                <a:solidFill>
-                  <a:srgbClr val="000000"/>
-                </a:solidFill>
-                <a:effectLst/>
-                <a:uFillTx/>
-                <a:latin typeface="Times New Roman"/>
-              </a:rPr>
-              <a:t>&lt;Datum/Uhrzeit&gt;</a:t>
-            </a:r>
-            <a:endParaRPr b="0" lang="de-DE" sz="1400" strike="noStrike" u="none">
-              <a:solidFill>
-                <a:srgbClr val="000000"/>
-              </a:solidFill>
-              <a:effectLst/>
-              <a:uFillTx/>
-              <a:latin typeface="Times New Roman"/>
-            </a:endParaRPr>
-          </a:p>
-        </p:txBody>
-      </p:sp>
-      <p:sp>
-        <p:nvSpPr>
-          <p:cNvPr id="3" name="PlaceHolder 4"/>
-          <p:cNvSpPr>
-            <a:spLocks noGrp="1"/>
-          </p:cNvSpPr>
-          <p:nvPr>
-            <p:ph type="ftr" idx="2"/>
-          </p:nvPr>
-        </p:nvSpPr>
-        <p:spPr>
-          <a:xfrm>
-            <a:off x="3447360" y="5165280"/>
-            <a:ext cx="3195000" cy="390600"/>
-          </a:xfrm>
-          <a:prstGeom prst="rect">
-            <a:avLst/>
-          </a:prstGeom>
-          <a:noFill/>
-          <a:ln w="0">
-            <a:noFill/>
-          </a:ln>
-        </p:spPr>
-        <p:txBody>
-          <a:bodyPr lIns="0" rIns="0" tIns="0" bIns="0" anchor="t">
-            <a:noAutofit/>
-          </a:bodyPr>
-          <a:lstStyle>
-            <a:lvl1pPr indent="0" algn="ctr">
-              <a:buNone/>
-              <a:defRPr b="0" lang="de-DE" sz="1400" strike="noStrike" u="none">
-                <a:solidFill>
-                  <a:srgbClr val="000000"/>
-                </a:solidFill>
-                <a:effectLst/>
-                <a:uFillTx/>
-                <a:latin typeface="Times New Roman"/>
-              </a:defRPr>
-            </a:lvl1pPr>
-          </a:lstStyle>
-          <a:p>
-            <a:pPr indent="0" algn="ctr">
-              <a:buNone/>
-            </a:pPr>
-            <a:r>
-              <a:rPr b="0" lang="de-DE" sz="1400" strike="noStrike" u="none">
-                <a:solidFill>
-                  <a:srgbClr val="000000"/>
-                </a:solidFill>
-                <a:effectLst/>
-                <a:uFillTx/>
-                <a:latin typeface="Times New Roman"/>
-              </a:rPr>
-              <a:t>&lt;Fußzeile&gt;</a:t>
-            </a:r>
-            <a:endParaRPr b="0" lang="de-DE" sz="1400" strike="noStrike" u="none">
-              <a:solidFill>
-                <a:srgbClr val="000000"/>
-              </a:solidFill>
-              <a:effectLst/>
-              <a:uFillTx/>
-              <a:latin typeface="Times New Roman"/>
-            </a:endParaRPr>
-          </a:p>
-        </p:txBody>
-      </p:sp>
-      <p:sp>
-        <p:nvSpPr>
-          <p:cNvPr id="4" name="PlaceHolder 5"/>
-          <p:cNvSpPr>
-            <a:spLocks noGrp="1"/>
-          </p:cNvSpPr>
-          <p:nvPr>
-            <p:ph type="sldNum" idx="3"/>
-          </p:nvPr>
-        </p:nvSpPr>
-        <p:spPr>
-          <a:xfrm>
-            <a:off x="7227360" y="5165280"/>
-            <a:ext cx="2348280" cy="390600"/>
-          </a:xfrm>
-          <a:prstGeom prst="rect">
-            <a:avLst/>
-          </a:prstGeom>
-          <a:noFill/>
-          <a:ln w="0">
-            <a:noFill/>
-          </a:ln>
-        </p:spPr>
-        <p:txBody>
-          <a:bodyPr lIns="0" rIns="0" tIns="0" bIns="0" anchor="t">
-            <a:noAutofit/>
-          </a:bodyPr>
-          <a:lstStyle>
-            <a:lvl1pPr indent="0" algn="r">
-              <a:buNone/>
-              <a:defRPr b="0" lang="de-DE" sz="1400" strike="noStrike" u="none">
-                <a:solidFill>
-                  <a:srgbClr val="000000"/>
-                </a:solidFill>
-                <a:effectLst/>
-                <a:uFillTx/>
-                <a:latin typeface="Times New Roman"/>
-              </a:defRPr>
-            </a:lvl1pPr>
-          </a:lstStyle>
-          <a:p>
-            <a:pPr indent="0" algn="r">
-              <a:buNone/>
-            </a:pPr>
-            <a:fld id="{4953D1F4-4567-412B-B31D-3614E862580E}" type="slidenum">
-              <a:rPr b="0" lang="de-DE" sz="1400" strike="noStrike" u="none">
-                <a:solidFill>
-                  <a:srgbClr val="000000"/>
-                </a:solidFill>
-                <a:effectLst/>
-                <a:uFillTx/>
-                <a:latin typeface="Times New Roman"/>
-              </a:rPr>
-              <a:t>&lt;Foliennummer&gt;</a:t>
-            </a:fld>
-            <a:endParaRPr b="0" lang="de-DE" sz="1400" strike="noStrike" u="none">
-              <a:solidFill>
-                <a:srgbClr val="000000"/>
-              </a:solidFill>
-              <a:effectLst/>
-              <a:uFillTx/>
-              <a:latin typeface="Times New Roman"/>
-            </a:endParaRPr>
-          </a:p>
-        </p:txBody>
-      </p:sp>
     </p:spTree>
   </p:cSld>
   <p:clrMap bg1="lt1" tx1="dk1" bg2="lt2" tx2="dk2" accent1="accent1" accent2="accent2" accent3="accent3" accent4="accent4" accent5="accent5" accent6="accent6" hlink="hlink" folHlink="folHlink"/>
@@ -903,7 +1162,7 @@
       </p:grpSpPr>
       <p:sp>
         <p:nvSpPr>
-          <p:cNvPr id="9" name="PlaceHolder 1"/>
+          <p:cNvPr id="10" name="PlaceHolder 1"/>
           <p:cNvSpPr>
             <a:spLocks noGrp="1"/>
           </p:cNvSpPr>
@@ -913,8 +1172,8 @@
         </p:nvSpPr>
         <p:spPr>
           <a:xfrm>
-            <a:off x="504000" y="226080"/>
-            <a:ext cx="9071640" cy="946440"/>
+            <a:off x="504000" y="225720"/>
+            <a:ext cx="9071280" cy="946800"/>
           </a:xfrm>
           <a:prstGeom prst="rect">
             <a:avLst/>
@@ -930,7 +1189,13 @@
           </a:bodyPr>
           <a:p>
             <a:pPr indent="0" algn="ctr">
+              <a:lnSpc>
+                <a:spcPct val="100000"/>
+              </a:lnSpc>
               <a:buNone/>
+              <a:tabLst>
+                <a:tab algn="l" pos="0"/>
+              </a:tabLst>
             </a:pPr>
             <a:r>
               <a:rPr b="0" lang="de-DE" sz="4400" strike="noStrike" u="none">
@@ -943,7 +1208,7 @@
               </a:rPr>
               <a:t>Aufgaben-Management</a:t>
             </a:r>
-            <a:endParaRPr b="0" lang="de-DE" sz="4400" strike="noStrike" u="none">
+            <a:endParaRPr b="0" lang="en-US" sz="4400" strike="noStrike" u="none">
               <a:solidFill>
                 <a:srgbClr val="000000"/>
               </a:solidFill>
@@ -956,7 +1221,7 @@
       </p:sp>
       <p:sp>
         <p:nvSpPr>
-          <p:cNvPr id="10" name="PlaceHolder 2"/>
+          <p:cNvPr id="11" name="PlaceHolder 2"/>
           <p:cNvSpPr>
             <a:spLocks noGrp="1"/>
           </p:cNvSpPr>
@@ -966,8 +1231,8 @@
         </p:nvSpPr>
         <p:spPr>
           <a:xfrm>
-            <a:off x="504000" y="1312560"/>
-            <a:ext cx="5436000" cy="3316680"/>
+            <a:off x="504000" y="1312200"/>
+            <a:ext cx="5435640" cy="3317040"/>
           </a:xfrm>
           <a:prstGeom prst="rect">
             <a:avLst/>
@@ -983,6 +1248,9 @@
           </a:bodyPr>
           <a:p>
             <a:pPr marL="216000" indent="-216000">
+              <a:lnSpc>
+                <a:spcPct val="100000"/>
+              </a:lnSpc>
               <a:buClr>
                 <a:srgbClr val="000000"/>
               </a:buClr>
@@ -1000,7 +1268,7 @@
               </a:rPr>
               <a:t>Vor Meeting: Sammeln von Aufgaben durch User Stories</a:t>
             </a:r>
-            <a:endParaRPr b="0" lang="de-DE" sz="2400" strike="noStrike" u="none">
+            <a:endParaRPr b="0" lang="en-US" sz="2400" strike="noStrike" u="none">
               <a:solidFill>
                 <a:srgbClr val="000000"/>
               </a:solidFill>
@@ -1011,6 +1279,9 @@
           </a:p>
           <a:p>
             <a:pPr lvl="1" marL="432000" indent="-216000">
+              <a:lnSpc>
+                <a:spcPct val="100000"/>
+              </a:lnSpc>
               <a:buClr>
                 <a:srgbClr val="000000"/>
               </a:buClr>
@@ -1029,7 +1300,7 @@
               </a:rPr>
               <a:t>Herauspicken von passenden Stories</a:t>
             </a:r>
-            <a:endParaRPr b="0" lang="de-DE" sz="2400" strike="noStrike" u="none">
+            <a:endParaRPr b="0" lang="en-US" sz="2400" strike="noStrike" u="none">
               <a:solidFill>
                 <a:srgbClr val="000000"/>
               </a:solidFill>
@@ -1040,6 +1311,9 @@
           </a:p>
           <a:p>
             <a:pPr lvl="2" marL="648000" indent="-216000">
+              <a:lnSpc>
+                <a:spcPct val="100000"/>
+              </a:lnSpc>
               <a:buClr>
                 <a:srgbClr val="000000"/>
               </a:buClr>
@@ -1091,7 +1365,7 @@
               </a:rPr>
               <a:t>abgedeckt( zB Tests, Bespieldatenbeschaffung, Bugfixes)</a:t>
             </a:r>
-            <a:endParaRPr b="0" lang="de-DE" sz="2200" strike="noStrike" u="none">
+            <a:endParaRPr b="0" lang="en-US" sz="2200" strike="noStrike" u="none">
               <a:solidFill>
                 <a:srgbClr val="000000"/>
               </a:solidFill>
@@ -1102,6 +1376,9 @@
           </a:p>
           <a:p>
             <a:pPr lvl="1" marL="432000" indent="-216000">
+              <a:lnSpc>
+                <a:spcPct val="100000"/>
+              </a:lnSpc>
               <a:buClr>
                 <a:srgbClr val="000000"/>
               </a:buClr>
@@ -1120,7 +1397,7 @@
               </a:rPr>
               <a:t>→ PO (Georg) guckt vor Meeting nochmal Programm durch und notiert ‚Baustellen’</a:t>
             </a:r>
-            <a:endParaRPr b="0" lang="de-DE" sz="2400" strike="noStrike" u="none">
+            <a:endParaRPr b="0" lang="en-US" sz="2400" strike="noStrike" u="none">
               <a:solidFill>
                 <a:srgbClr val="000000"/>
               </a:solidFill>
@@ -1133,7 +1410,7 @@
       </p:sp>
       <p:pic>
         <p:nvPicPr>
-          <p:cNvPr id="11" name="" descr=""/>
+          <p:cNvPr id="12" name="" descr=""/>
           <p:cNvPicPr/>
           <p:nvPr/>
         </p:nvPicPr>
@@ -1144,7 +1421,7 @@
         <p:spPr>
           <a:xfrm>
             <a:off x="5940000" y="1312560"/>
-            <a:ext cx="4005000" cy="2522520"/>
+            <a:ext cx="4004640" cy="2522160"/>
           </a:xfrm>
           <a:prstGeom prst="rect">
             <a:avLst/>
@@ -1157,7 +1434,7 @@
       </p:pic>
       <p:pic>
         <p:nvPicPr>
-          <p:cNvPr id="12" name="" descr=""/>
+          <p:cNvPr id="13" name="" descr=""/>
           <p:cNvPicPr/>
           <p:nvPr/>
         </p:nvPicPr>
@@ -1168,7 +1445,7 @@
         <p:spPr>
           <a:xfrm>
             <a:off x="5715720" y="4082400"/>
-            <a:ext cx="4184280" cy="777600"/>
+            <a:ext cx="4183920" cy="777240"/>
           </a:xfrm>
           <a:prstGeom prst="rect">
             <a:avLst/>
@@ -1211,7 +1488,7 @@
       </p:grpSpPr>
       <p:sp>
         <p:nvSpPr>
-          <p:cNvPr id="13" name="PlaceHolder 1"/>
+          <p:cNvPr id="14" name="PlaceHolder 1"/>
           <p:cNvSpPr>
             <a:spLocks noGrp="1"/>
           </p:cNvSpPr>
@@ -1221,8 +1498,8 @@
         </p:nvSpPr>
         <p:spPr>
           <a:xfrm>
-            <a:off x="504000" y="226080"/>
-            <a:ext cx="9071640" cy="946440"/>
+            <a:off x="504000" y="225720"/>
+            <a:ext cx="9071280" cy="946800"/>
           </a:xfrm>
           <a:prstGeom prst="rect">
             <a:avLst/>
@@ -1238,7 +1515,13 @@
           </a:bodyPr>
           <a:p>
             <a:pPr indent="0" algn="ctr">
+              <a:lnSpc>
+                <a:spcPct val="100000"/>
+              </a:lnSpc>
               <a:buNone/>
+              <a:tabLst>
+                <a:tab algn="l" pos="0"/>
+              </a:tabLst>
             </a:pPr>
             <a:r>
               <a:rPr b="0" lang="de-DE" sz="4400" strike="noStrike" u="none">
@@ -1251,7 +1534,7 @@
               </a:rPr>
               <a:t>Aufgaben-Management</a:t>
             </a:r>
-            <a:endParaRPr b="0" lang="de-DE" sz="4400" strike="noStrike" u="none">
+            <a:endParaRPr b="0" lang="en-US" sz="4400" strike="noStrike" u="none">
               <a:solidFill>
                 <a:srgbClr val="000000"/>
               </a:solidFill>
@@ -1264,7 +1547,7 @@
       </p:sp>
       <p:sp>
         <p:nvSpPr>
-          <p:cNvPr id="14" name="PlaceHolder 2"/>
+          <p:cNvPr id="15" name="PlaceHolder 2"/>
           <p:cNvSpPr>
             <a:spLocks noGrp="1"/>
           </p:cNvSpPr>
@@ -1275,7 +1558,7 @@
         <p:spPr>
           <a:xfrm>
             <a:off x="504000" y="1326600"/>
-            <a:ext cx="4356000" cy="4073400"/>
+            <a:ext cx="4355640" cy="4073040"/>
           </a:xfrm>
           <a:prstGeom prst="rect">
             <a:avLst/>
@@ -1287,10 +1570,13 @@
         </p:spPr>
         <p:txBody>
           <a:bodyPr lIns="0" rIns="0" tIns="0" bIns="0" anchor="t">
-            <a:normAutofit/>
+            <a:normAutofit lnSpcReduction="9999"/>
           </a:bodyPr>
           <a:p>
             <a:pPr marL="216000" indent="-216000">
+              <a:lnSpc>
+                <a:spcPct val="100000"/>
+              </a:lnSpc>
               <a:spcBef>
                 <a:spcPts val="1417"/>
               </a:spcBef>
@@ -1311,7 +1597,7 @@
               </a:rPr>
               <a:t>Aufgabenzuteilung im Meeting</a:t>
             </a:r>
-            <a:endParaRPr b="0" lang="de-DE" sz="2800" strike="noStrike" u="none">
+            <a:endParaRPr b="0" lang="en-US" sz="2800" strike="noStrike" u="none">
               <a:solidFill>
                 <a:srgbClr val="000000"/>
               </a:solidFill>
@@ -1322,6 +1608,9 @@
           </a:p>
           <a:p>
             <a:pPr lvl="1" marL="432000" indent="-216000">
+              <a:lnSpc>
+                <a:spcPct val="100000"/>
+              </a:lnSpc>
               <a:spcBef>
                 <a:spcPts val="1134"/>
               </a:spcBef>
@@ -1343,7 +1632,7 @@
               </a:rPr>
               <a:t>Teilw freiwilig, teilw mit passender Zuteilung</a:t>
             </a:r>
-            <a:endParaRPr b="0" lang="de-DE" sz="2600" strike="noStrike" u="none">
+            <a:endParaRPr b="0" lang="en-US" sz="2600" strike="noStrike" u="none">
               <a:solidFill>
                 <a:srgbClr val="000000"/>
               </a:solidFill>
@@ -1354,6 +1643,9 @@
           </a:p>
           <a:p>
             <a:pPr marL="216000" indent="-216000">
+              <a:lnSpc>
+                <a:spcPct val="100000"/>
+              </a:lnSpc>
               <a:spcBef>
                 <a:spcPts val="1417"/>
               </a:spcBef>
@@ -1374,7 +1666,7 @@
               </a:rPr>
               <a:t>Aufgabenerfüllung prüfen</a:t>
             </a:r>
-            <a:endParaRPr b="0" lang="de-DE" sz="2800" strike="noStrike" u="none">
+            <a:endParaRPr b="0" lang="en-US" sz="2800" strike="noStrike" u="none">
               <a:solidFill>
                 <a:srgbClr val="000000"/>
               </a:solidFill>
@@ -1385,6 +1677,9 @@
           </a:p>
           <a:p>
             <a:pPr lvl="1" marL="432000" indent="-216000">
+              <a:lnSpc>
+                <a:spcPct val="100000"/>
+              </a:lnSpc>
               <a:spcBef>
                 <a:spcPts val="1134"/>
               </a:spcBef>
@@ -1406,7 +1701,7 @@
               </a:rPr>
               <a:t>Im Meeting vorzeigen, falls niemand Fehler findet, gilt es als abgeschlossen</a:t>
             </a:r>
-            <a:endParaRPr b="0" lang="de-DE" sz="2600" strike="noStrike" u="none">
+            <a:endParaRPr b="0" lang="en-US" sz="2600" strike="noStrike" u="none">
               <a:solidFill>
                 <a:srgbClr val="000000"/>
               </a:solidFill>
@@ -1419,7 +1714,7 @@
       </p:sp>
       <p:pic>
         <p:nvPicPr>
-          <p:cNvPr id="15" name="" descr=""/>
+          <p:cNvPr id="16" name="" descr=""/>
           <p:cNvPicPr/>
           <p:nvPr/>
         </p:nvPicPr>
@@ -1430,7 +1725,7 @@
         <p:spPr>
           <a:xfrm>
             <a:off x="5466960" y="1620000"/>
-            <a:ext cx="3893040" cy="2079000"/>
+            <a:ext cx="3892680" cy="2078640"/>
           </a:xfrm>
           <a:prstGeom prst="rect">
             <a:avLst/>
@@ -1473,7 +1768,7 @@
       </p:grpSpPr>
       <p:sp>
         <p:nvSpPr>
-          <p:cNvPr id="16" name="PlaceHolder 1"/>
+          <p:cNvPr id="17" name="PlaceHolder 1"/>
           <p:cNvSpPr>
             <a:spLocks noGrp="1"/>
           </p:cNvSpPr>
@@ -1483,8 +1778,8 @@
         </p:nvSpPr>
         <p:spPr>
           <a:xfrm>
-            <a:off x="504000" y="226080"/>
-            <a:ext cx="9071640" cy="946440"/>
+            <a:off x="504000" y="225720"/>
+            <a:ext cx="9071280" cy="946800"/>
           </a:xfrm>
           <a:prstGeom prst="rect">
             <a:avLst/>
@@ -1500,7 +1795,13 @@
           </a:bodyPr>
           <a:p>
             <a:pPr indent="0" algn="ctr">
+              <a:lnSpc>
+                <a:spcPct val="100000"/>
+              </a:lnSpc>
               <a:buNone/>
+              <a:tabLst>
+                <a:tab algn="l" pos="0"/>
+              </a:tabLst>
             </a:pPr>
             <a:r>
               <a:rPr b="0" lang="de-DE" sz="4400" strike="noStrike" u="none">
@@ -1513,7 +1814,7 @@
               </a:rPr>
               <a:t>Feedback-Erlangung</a:t>
             </a:r>
-            <a:endParaRPr b="0" lang="de-DE" sz="4400" strike="noStrike" u="none">
+            <a:endParaRPr b="0" lang="en-US" sz="4400" strike="noStrike" u="none">
               <a:solidFill>
                 <a:srgbClr val="000000"/>
               </a:solidFill>
@@ -1526,7 +1827,7 @@
       </p:sp>
       <p:sp>
         <p:nvSpPr>
-          <p:cNvPr id="17" name="PlaceHolder 2"/>
+          <p:cNvPr id="18" name="PlaceHolder 2"/>
           <p:cNvSpPr>
             <a:spLocks noGrp="1"/>
           </p:cNvSpPr>
@@ -1537,7 +1838,7 @@
         <p:spPr>
           <a:xfrm>
             <a:off x="504000" y="1326600"/>
-            <a:ext cx="9071640" cy="3288240"/>
+            <a:ext cx="9071280" cy="3287880"/>
           </a:xfrm>
           <a:prstGeom prst="rect">
             <a:avLst/>
@@ -1553,6 +1854,9 @@
           </a:bodyPr>
           <a:p>
             <a:pPr marL="432000" indent="-324000">
+              <a:lnSpc>
+                <a:spcPct val="100000"/>
+              </a:lnSpc>
               <a:spcBef>
                 <a:spcPts val="1417"/>
               </a:spcBef>
@@ -1574,7 +1878,7 @@
               </a:rPr>
               <a:t>Besprechung mit Stakeholdern (alle 4 Wochen)</a:t>
             </a:r>
-            <a:endParaRPr b="0" lang="de-DE" sz="3200" strike="noStrike" u="none">
+            <a:endParaRPr b="0" lang="en-US" sz="3200" strike="noStrike" u="none">
               <a:solidFill>
                 <a:srgbClr val="000000"/>
               </a:solidFill>
@@ -1585,6 +1889,9 @@
           </a:p>
           <a:p>
             <a:pPr marL="432000" indent="-324000">
+              <a:lnSpc>
+                <a:spcPct val="100000"/>
+              </a:lnSpc>
               <a:spcBef>
                 <a:spcPts val="1417"/>
               </a:spcBef>
@@ -1604,9 +1911,9 @@
                 <a:uFillTx/>
                 <a:latin typeface="Arial"/>
               </a:rPr>
-              <a:t>Messung an  Ausbauphase der App mit eigenen Zielen</a:t>
-            </a:r>
-            <a:endParaRPr b="0" lang="de-DE" sz="3200" strike="noStrike" u="none">
+              <a:t>Ausbauphase der App mit eigenen Zielen</a:t>
+            </a:r>
+            <a:endParaRPr b="0" lang="en-US" sz="3200" strike="noStrike" u="none">
               <a:solidFill>
                 <a:srgbClr val="000000"/>
               </a:solidFill>
@@ -1617,6 +1924,9 @@
           </a:p>
           <a:p>
             <a:pPr marL="432000" indent="-324000">
+              <a:lnSpc>
+                <a:spcPct val="100000"/>
+              </a:lnSpc>
               <a:spcBef>
                 <a:spcPts val="1417"/>
               </a:spcBef>
@@ -1636,41 +1946,28 @@
                 <a:uFillTx/>
                 <a:latin typeface="Arial"/>
               </a:rPr>
-              <a:t>Status von (großen)                                     User Stories</a:t>
-            </a:r>
-            <a:endParaRPr b="0" lang="de-DE" sz="3200" strike="noStrike" u="none">
-              <a:solidFill>
-                <a:srgbClr val="000000"/>
-              </a:solidFill>
-              <a:effectLst/>
-              <a:uFillTx/>
-              <a:latin typeface="Arial"/>
-            </a:endParaRPr>
-          </a:p>
-          <a:p>
-            <a:pPr marL="432000" indent="-324000">
+              <a:t>Status von (wichtigen)                                     User Stories</a:t>
+            </a:r>
+            <a:endParaRPr b="0" lang="en-US" sz="3200" strike="noStrike" u="none">
+              <a:solidFill>
+                <a:srgbClr val="000000"/>
+              </a:solidFill>
+              <a:effectLst/>
+              <a:uFillTx/>
+              <a:latin typeface="Arial"/>
+            </a:endParaRPr>
+          </a:p>
+          <a:p>
+            <a:pPr marL="432000" indent="0">
+              <a:lnSpc>
+                <a:spcPct val="100000"/>
+              </a:lnSpc>
               <a:spcBef>
                 <a:spcPts val="1417"/>
               </a:spcBef>
-              <a:buClr>
-                <a:srgbClr val="000000"/>
-              </a:buClr>
-              <a:buSzPct val="45000"/>
-              <a:buFont typeface="Wingdings" charset="2"/>
-              <a:buChar char=""/>
-            </a:pPr>
-            <a:r>
-              <a:rPr b="0" lang="de-DE" sz="3200" strike="noStrike" u="none">
-                <a:solidFill>
-                  <a:srgbClr val="000000"/>
-                </a:solidFill>
-                <a:effectLst/>
-                <a:uFillTx/>
-                <a:latin typeface="Arial"/>
-              </a:rPr>
-              <a:t>Gefühl</a:t>
-            </a:r>
-            <a:endParaRPr b="0" lang="de-DE" sz="3200" strike="noStrike" u="none">
+              <a:buNone/>
+            </a:pPr>
+            <a:endParaRPr b="0" lang="en-US" sz="3200" strike="noStrike" u="none">
               <a:solidFill>
                 <a:srgbClr val="000000"/>
               </a:solidFill>
@@ -1683,7 +1980,7 @@
       </p:sp>
       <p:pic>
         <p:nvPicPr>
-          <p:cNvPr id="18" name="" descr=""/>
+          <p:cNvPr id="19" name="" descr=""/>
           <p:cNvPicPr/>
           <p:nvPr/>
         </p:nvPicPr>
@@ -1694,7 +1991,7 @@
         <p:spPr>
           <a:xfrm>
             <a:off x="5040000" y="2893680"/>
-            <a:ext cx="4724280" cy="2146320"/>
+            <a:ext cx="4723920" cy="2145960"/>
           </a:xfrm>
           <a:prstGeom prst="rect">
             <a:avLst/>
@@ -1737,7 +2034,7 @@
       </p:grpSpPr>
       <p:sp>
         <p:nvSpPr>
-          <p:cNvPr id="19" name="PlaceHolder 1"/>
+          <p:cNvPr id="20" name="PlaceHolder 1"/>
           <p:cNvSpPr>
             <a:spLocks noGrp="1"/>
           </p:cNvSpPr>
@@ -1747,8 +2044,8 @@
         </p:nvSpPr>
         <p:spPr>
           <a:xfrm>
-            <a:off x="504000" y="226080"/>
-            <a:ext cx="9071640" cy="946440"/>
+            <a:off x="504000" y="225720"/>
+            <a:ext cx="9071280" cy="946800"/>
           </a:xfrm>
           <a:prstGeom prst="rect">
             <a:avLst/>
@@ -1764,7 +2061,13 @@
           </a:bodyPr>
           <a:p>
             <a:pPr indent="0" algn="ctr">
+              <a:lnSpc>
+                <a:spcPct val="100000"/>
+              </a:lnSpc>
               <a:buNone/>
+              <a:tabLst>
+                <a:tab algn="l" pos="0"/>
+              </a:tabLst>
             </a:pPr>
             <a:r>
               <a:rPr b="0" lang="de-DE" sz="4400" strike="noStrike" u="none">
@@ -1777,7 +2080,7 @@
               </a:rPr>
               <a:t>Konfliktlösung</a:t>
             </a:r>
-            <a:endParaRPr b="0" lang="de-DE" sz="4400" strike="noStrike" u="none">
+            <a:endParaRPr b="0" lang="en-US" sz="4400" strike="noStrike" u="none">
               <a:solidFill>
                 <a:srgbClr val="000000"/>
               </a:solidFill>
@@ -1790,7 +2093,7 @@
       </p:sp>
       <p:sp>
         <p:nvSpPr>
-          <p:cNvPr id="20" name="PlaceHolder 2"/>
+          <p:cNvPr id="21" name="PlaceHolder 2"/>
           <p:cNvSpPr>
             <a:spLocks noGrp="1"/>
           </p:cNvSpPr>
@@ -1801,7 +2104,7 @@
         <p:spPr>
           <a:xfrm>
             <a:off x="504000" y="1326600"/>
-            <a:ext cx="9071640" cy="3288240"/>
+            <a:ext cx="9071280" cy="3287880"/>
           </a:xfrm>
           <a:prstGeom prst="rect">
             <a:avLst/>
@@ -1817,6 +2120,9 @@
           </a:bodyPr>
           <a:p>
             <a:pPr marL="432000" indent="-324000">
+              <a:lnSpc>
+                <a:spcPct val="100000"/>
+              </a:lnSpc>
               <a:spcBef>
                 <a:spcPts val="1417"/>
               </a:spcBef>
@@ -1838,7 +2144,7 @@
               </a:rPr>
               <a:t>Bisher keine größeren Konflikte</a:t>
             </a:r>
-            <a:endParaRPr b="0" lang="de-DE" sz="3200" strike="noStrike" u="none">
+            <a:endParaRPr b="0" lang="en-US" sz="3200" strike="noStrike" u="none">
               <a:solidFill>
                 <a:srgbClr val="000000"/>
               </a:solidFill>
@@ -1849,6 +2155,9 @@
           </a:p>
           <a:p>
             <a:pPr marL="432000" indent="-324000">
+              <a:lnSpc>
+                <a:spcPct val="100000"/>
+              </a:lnSpc>
               <a:spcBef>
                 <a:spcPts val="1417"/>
               </a:spcBef>
@@ -1870,7 +2179,7 @@
               </a:rPr>
               <a:t>Bei Entstehung werden diese angesprochen und möglichst gut für alle Seiten gelöst</a:t>
             </a:r>
-            <a:endParaRPr b="0" lang="de-DE" sz="3200" strike="noStrike" u="none">
+            <a:endParaRPr b="0" lang="en-US" sz="3200" strike="noStrike" u="none">
               <a:solidFill>
                 <a:srgbClr val="000000"/>
               </a:solidFill>
@@ -1881,6 +2190,9 @@
           </a:p>
           <a:p>
             <a:pPr marL="432000" indent="-324000">
+              <a:lnSpc>
+                <a:spcPct val="100000"/>
+              </a:lnSpc>
               <a:spcBef>
                 <a:spcPts val="1417"/>
               </a:spcBef>
@@ -1902,7 +2214,7 @@
               </a:rPr>
               <a:t>Zur Vorbeugung: Veranstaltung eines Teambuildenden Billiardabends im Juli</a:t>
             </a:r>
-            <a:endParaRPr b="0" lang="de-DE" sz="3200" strike="noStrike" u="none">
+            <a:endParaRPr b="0" lang="en-US" sz="3200" strike="noStrike" u="none">
               <a:solidFill>
                 <a:srgbClr val="000000"/>
               </a:solidFill>
@@ -1945,7 +2257,7 @@
       </p:grpSpPr>
       <p:sp>
         <p:nvSpPr>
-          <p:cNvPr id="21" name="PlaceHolder 1"/>
+          <p:cNvPr id="22" name="PlaceHolder 1"/>
           <p:cNvSpPr>
             <a:spLocks noGrp="1"/>
           </p:cNvSpPr>
@@ -1955,8 +2267,8 @@
         </p:nvSpPr>
         <p:spPr>
           <a:xfrm>
-            <a:off x="504000" y="226080"/>
-            <a:ext cx="9071640" cy="946440"/>
+            <a:off x="504000" y="225720"/>
+            <a:ext cx="9071280" cy="946800"/>
           </a:xfrm>
           <a:prstGeom prst="rect">
             <a:avLst/>
@@ -1972,7 +2284,13 @@
           </a:bodyPr>
           <a:p>
             <a:pPr indent="0" algn="ctr">
+              <a:lnSpc>
+                <a:spcPct val="100000"/>
+              </a:lnSpc>
               <a:buNone/>
+              <a:tabLst>
+                <a:tab algn="l" pos="0"/>
+              </a:tabLst>
             </a:pPr>
             <a:r>
               <a:rPr b="0" lang="de-DE" sz="4400" strike="noStrike" u="none">
@@ -1985,7 +2303,7 @@
               </a:rPr>
               <a:t>Erfolge, Probleme</a:t>
             </a:r>
-            <a:endParaRPr b="0" lang="de-DE" sz="4400" strike="noStrike" u="none">
+            <a:endParaRPr b="0" lang="en-US" sz="4400" strike="noStrike" u="none">
               <a:solidFill>
                 <a:srgbClr val="000000"/>
               </a:solidFill>
@@ -1998,7 +2316,7 @@
       </p:sp>
       <p:sp>
         <p:nvSpPr>
-          <p:cNvPr id="22" name="PlaceHolder 2"/>
+          <p:cNvPr id="23" name="PlaceHolder 2"/>
           <p:cNvSpPr>
             <a:spLocks noGrp="1"/>
           </p:cNvSpPr>
@@ -2009,7 +2327,7 @@
         <p:spPr>
           <a:xfrm>
             <a:off x="504000" y="1326600"/>
-            <a:ext cx="9071640" cy="4073400"/>
+            <a:ext cx="9071280" cy="4073040"/>
           </a:xfrm>
           <a:prstGeom prst="rect">
             <a:avLst/>
@@ -2025,6 +2343,9 @@
           </a:bodyPr>
           <a:p>
             <a:pPr marL="432000" indent="-324000">
+              <a:lnSpc>
+                <a:spcPct val="100000"/>
+              </a:lnSpc>
               <a:spcBef>
                 <a:spcPts val="1417"/>
               </a:spcBef>
@@ -2046,7 +2367,7 @@
               </a:rPr>
               <a:t>Erfolge:</a:t>
             </a:r>
-            <a:endParaRPr b="0" lang="de-DE" sz="3200" strike="noStrike" u="none">
+            <a:endParaRPr b="0" lang="en-US" sz="3200" strike="noStrike" u="none">
               <a:solidFill>
                 <a:srgbClr val="000000"/>
               </a:solidFill>
@@ -2057,6 +2378,9 @@
           </a:p>
           <a:p>
             <a:pPr lvl="1" marL="864000" indent="-324000">
+              <a:lnSpc>
+                <a:spcPct val="100000"/>
+              </a:lnSpc>
               <a:spcBef>
                 <a:spcPts val="1134"/>
               </a:spcBef>
@@ -2078,7 +2402,7 @@
               </a:rPr>
               <a:t>Fortbestand als Team mit gutem Spirit</a:t>
             </a:r>
-            <a:endParaRPr b="0" lang="de-DE" sz="2800" strike="noStrike" u="none">
+            <a:endParaRPr b="0" lang="en-US" sz="2800" strike="noStrike" u="none">
               <a:solidFill>
                 <a:srgbClr val="000000"/>
               </a:solidFill>
@@ -2089,6 +2413,9 @@
           </a:p>
           <a:p>
             <a:pPr lvl="1" marL="864000" indent="-324000">
+              <a:lnSpc>
+                <a:spcPct val="100000"/>
+              </a:lnSpc>
               <a:spcBef>
                 <a:spcPts val="1134"/>
               </a:spcBef>
@@ -2110,7 +2437,7 @@
               </a:rPr>
               <a:t>Allgemeine Zufriedenheit mit App(-entwicklung)</a:t>
             </a:r>
-            <a:endParaRPr b="0" lang="de-DE" sz="2800" strike="noStrike" u="none">
+            <a:endParaRPr b="0" lang="en-US" sz="2800" strike="noStrike" u="none">
               <a:solidFill>
                 <a:srgbClr val="000000"/>
               </a:solidFill>
@@ -2121,6 +2448,9 @@
           </a:p>
           <a:p>
             <a:pPr marL="432000" indent="-324000">
+              <a:lnSpc>
+                <a:spcPct val="100000"/>
+              </a:lnSpc>
               <a:spcBef>
                 <a:spcPts val="1417"/>
               </a:spcBef>
@@ -2142,21 +2472,62 @@
               </a:rPr>
               <a:t>Probleme</a:t>
             </a:r>
-            <a:endParaRPr b="0" lang="de-DE" sz="3200" strike="noStrike" u="none">
-              <a:solidFill>
-                <a:srgbClr val="000000"/>
-              </a:solidFill>
-              <a:effectLst/>
-              <a:uFillTx/>
-              <a:latin typeface="Arial"/>
-            </a:endParaRPr>
-          </a:p>
-          <a:p>
-            <a:pPr lvl="1" marL="864000" indent="0">
+            <a:endParaRPr b="0" lang="en-US" sz="3200" strike="noStrike" u="none">
+              <a:solidFill>
+                <a:srgbClr val="000000"/>
+              </a:solidFill>
+              <a:effectLst/>
+              <a:uFillTx/>
+              <a:latin typeface="Arial"/>
+            </a:endParaRPr>
+          </a:p>
+          <a:p>
+            <a:pPr lvl="1" marL="864000" indent="-324000">
+              <a:lnSpc>
+                <a:spcPct val="100000"/>
+              </a:lnSpc>
               <a:spcBef>
                 <a:spcPts val="1134"/>
               </a:spcBef>
+              <a:buClr>
+                <a:srgbClr val="000000"/>
+              </a:buClr>
+              <a:buSzPct val="75000"/>
+              <a:buFont typeface="Symbol" charset="2"/>
+              <a:buChar char=""/>
+            </a:pPr>
+            <a:r>
+              <a:rPr b="0" lang="de-DE" sz="2800" strike="noStrike" u="none">
+                <a:solidFill>
+                  <a:srgbClr val="000000"/>
+                </a:solidFill>
+                <a:effectLst/>
+                <a:uFillTx/>
+                <a:latin typeface="Arial"/>
+              </a:rPr>
+              <a:t>Dokumentation (zB in Abgabedokumenten)</a:t>
+            </a:r>
+            <a:endParaRPr b="0" lang="en-US" sz="2800" strike="noStrike" u="none">
+              <a:solidFill>
+                <a:srgbClr val="000000"/>
+              </a:solidFill>
+              <a:effectLst/>
+              <a:uFillTx/>
+              <a:latin typeface="Arial"/>
+            </a:endParaRPr>
+          </a:p>
+          <a:p>
+            <a:pPr marL="864000" indent="0">
+              <a:lnSpc>
+                <a:spcPct val="100000"/>
+              </a:lnSpc>
+              <a:spcBef>
+                <a:spcPts val="1134"/>
+              </a:spcBef>
               <a:buNone/>
+              <a:tabLst>
+                <a:tab algn="l" pos="0"/>
+              </a:tabLst>
             </a:pPr>
             <a:r>
               <a:rPr b="0" lang="de-DE" sz="2800" strike="noStrike" u="none">
@@ -2169,7 +2540,7 @@
               </a:rPr>
               <a:t> </a:t>
             </a:r>
-            <a:endParaRPr b="0" lang="de-DE" sz="2800" strike="noStrike" u="none">
+            <a:endParaRPr b="0" lang="en-US" sz="2800" strike="noStrike" u="none">
               <a:solidFill>
                 <a:srgbClr val="000000"/>
               </a:solidFill>

--- a/docs/Praesentation/Fachaustausch_Projektmanagement.pptx
+++ b/docs/Praesentation/Fachaustausch_Projektmanagement.pptx
@@ -46,7 +46,7 @@
         <p:spPr>
           <a:xfrm>
             <a:off x="504000" y="561600"/>
-            <a:ext cx="9071280" cy="274680"/>
+            <a:ext cx="9070560" cy="274680"/>
           </a:xfrm>
           <a:prstGeom prst="rect">
             <a:avLst/>
@@ -62,7 +62,13 @@
           </a:bodyPr>
           <a:p>
             <a:pPr indent="0">
+              <a:lnSpc>
+                <a:spcPct val="100000"/>
+              </a:lnSpc>
               <a:buNone/>
+              <a:tabLst>
+                <a:tab algn="l" pos="0"/>
+              </a:tabLst>
             </a:pPr>
             <a:r>
               <a:rPr b="0" lang="en-US" sz="1800" strike="noStrike" u="none">
@@ -75,7 +81,7 @@
               </a:rPr>
               <a:t>Click to edit the title text format</a:t>
             </a:r>
-            <a:endParaRPr b="0" lang="en-US" sz="1800" strike="noStrike" u="none">
+            <a:endParaRPr b="0" lang="de-DE" sz="1800" strike="noStrike" u="none">
               <a:solidFill>
                 <a:srgbClr val="000000"/>
               </a:solidFill>
@@ -99,7 +105,7 @@
         <p:spPr>
           <a:xfrm>
             <a:off x="3447360" y="5165280"/>
-            <a:ext cx="3194640" cy="390240"/>
+            <a:ext cx="3193920" cy="389520"/>
           </a:xfrm>
           <a:prstGeom prst="rect">
             <a:avLst/>
@@ -151,9 +157,9 @@
                 <a:uFillTx/>
                 <a:latin typeface="Times New Roman"/>
               </a:rPr>
-              <a:t>&lt;footer&gt;</a:t>
-            </a:r>
-            <a:endParaRPr b="0" lang="en-US" sz="1400" strike="noStrike" u="none">
+              <a:t> </a:t>
+            </a:r>
+            <a:endParaRPr b="0" lang="de-DE" sz="1400" strike="noStrike" u="none">
               <a:solidFill>
                 <a:srgbClr val="000000"/>
               </a:solidFill>
@@ -177,7 +183,7 @@
         <p:spPr>
           <a:xfrm>
             <a:off x="7227360" y="5165280"/>
-            <a:ext cx="2347920" cy="390240"/>
+            <a:ext cx="2347200" cy="389520"/>
           </a:xfrm>
           <a:prstGeom prst="rect">
             <a:avLst/>
@@ -220,7 +226,7 @@
                 <a:tab algn="l" pos="0"/>
               </a:tabLst>
             </a:pPr>
-            <a:fld id="{8A0D8D0D-2AD7-4F74-80D4-AAD7A33EFA2A}" type="slidenum">
+            <a:fld id="{BEE538B0-9F41-4FC1-A90C-50F59A839075}" type="slidenum">
               <a:rPr b="0" lang="de-DE" sz="1400" strike="noStrike" u="none">
                 <a:solidFill>
                   <a:srgbClr val="000000"/>
@@ -229,9 +235,9 @@
                 <a:uFillTx/>
                 <a:latin typeface="Times New Roman"/>
               </a:rPr>
-              <a:t>&lt;number&gt;</a:t>
+              <a:t>3</a:t>
             </a:fld>
-            <a:endParaRPr b="0" lang="en-US" sz="1400" strike="noStrike" u="none">
+            <a:endParaRPr b="0" lang="de-DE" sz="1400" strike="noStrike" u="none">
               <a:solidFill>
                 <a:srgbClr val="000000"/>
               </a:solidFill>
@@ -255,7 +261,7 @@
         <p:spPr>
           <a:xfrm>
             <a:off x="504000" y="5165280"/>
-            <a:ext cx="2347920" cy="390240"/>
+            <a:ext cx="2347200" cy="389520"/>
           </a:xfrm>
           <a:prstGeom prst="rect">
             <a:avLst/>
@@ -271,7 +277,13 @@
           </a:bodyPr>
           <a:lstStyle>
             <a:lvl1pPr indent="0">
+              <a:lnSpc>
+                <a:spcPct val="100000"/>
+              </a:lnSpc>
               <a:buNone/>
+              <a:tabLst>
+                <a:tab algn="l" pos="0"/>
+              </a:tabLst>
               <a:defRPr b="0" lang="en-US" sz="1400" strike="noStrike" u="none">
                 <a:solidFill>
                   <a:srgbClr val="000000"/>
@@ -284,7 +296,13 @@
           </a:lstStyle>
           <a:p>
             <a:pPr indent="0">
+              <a:lnSpc>
+                <a:spcPct val="100000"/>
+              </a:lnSpc>
               <a:buNone/>
+              <a:tabLst>
+                <a:tab algn="l" pos="0"/>
+              </a:tabLst>
             </a:pPr>
             <a:r>
               <a:rPr b="0" lang="en-US" sz="1400" strike="noStrike" u="none">
@@ -295,9 +313,9 @@
                 <a:uFillTx/>
                 <a:latin typeface="Times New Roman"/>
               </a:rPr>
-              <a:t>&lt;date/time&gt;</a:t>
-            </a:r>
-            <a:endParaRPr b="0" lang="en-US" sz="1400" strike="noStrike" u="none">
+              <a:t> </a:t>
+            </a:r>
+            <a:endParaRPr b="0" lang="de-DE" sz="1400" strike="noStrike" u="none">
               <a:solidFill>
                 <a:srgbClr val="000000"/>
               </a:solidFill>
@@ -321,7 +339,7 @@
         <p:spPr>
           <a:xfrm>
             <a:off x="504000" y="1326600"/>
-            <a:ext cx="9072000" cy="3288600"/>
+            <a:ext cx="9071280" cy="3287880"/>
           </a:xfrm>
           <a:prstGeom prst="rect">
             <a:avLst/>
@@ -337,6 +355,9 @@
           </a:bodyPr>
           <a:p>
             <a:pPr marL="432000" indent="-324000">
+              <a:lnSpc>
+                <a:spcPct val="100000"/>
+              </a:lnSpc>
               <a:spcBef>
                 <a:spcPts val="1417"/>
               </a:spcBef>
@@ -358,7 +379,7 @@
               </a:rPr>
               <a:t>Click to edit the outline text format</a:t>
             </a:r>
-            <a:endParaRPr b="0" lang="en-US" sz="3200" strike="noStrike" u="none">
+            <a:endParaRPr b="0" lang="de-DE" sz="3200" strike="noStrike" u="none">
               <a:solidFill>
                 <a:srgbClr val="000000"/>
               </a:solidFill>
@@ -369,6 +390,9 @@
           </a:p>
           <a:p>
             <a:pPr lvl="1" marL="864000" indent="-324000">
+              <a:lnSpc>
+                <a:spcPct val="100000"/>
+              </a:lnSpc>
               <a:spcBef>
                 <a:spcPts val="1134"/>
               </a:spcBef>
@@ -390,7 +414,7 @@
               </a:rPr>
               <a:t>Second Outline Level</a:t>
             </a:r>
-            <a:endParaRPr b="0" lang="en-US" sz="2800" strike="noStrike" u="none">
+            <a:endParaRPr b="0" lang="de-DE" sz="2800" strike="noStrike" u="none">
               <a:solidFill>
                 <a:srgbClr val="000000"/>
               </a:solidFill>
@@ -401,6 +425,9 @@
           </a:p>
           <a:p>
             <a:pPr lvl="2" marL="1296000" indent="-288000">
+              <a:lnSpc>
+                <a:spcPct val="100000"/>
+              </a:lnSpc>
               <a:spcBef>
                 <a:spcPts val="850"/>
               </a:spcBef>
@@ -422,7 +449,7 @@
               </a:rPr>
               <a:t>Third Outline Level</a:t>
             </a:r>
-            <a:endParaRPr b="0" lang="en-US" sz="2400" strike="noStrike" u="none">
+            <a:endParaRPr b="0" lang="de-DE" sz="2400" strike="noStrike" u="none">
               <a:solidFill>
                 <a:srgbClr val="000000"/>
               </a:solidFill>
@@ -433,6 +460,9 @@
           </a:p>
           <a:p>
             <a:pPr lvl="3" marL="1728000" indent="-216000">
+              <a:lnSpc>
+                <a:spcPct val="100000"/>
+              </a:lnSpc>
               <a:spcBef>
                 <a:spcPts val="567"/>
               </a:spcBef>
@@ -454,7 +484,7 @@
               </a:rPr>
               <a:t>Fourth Outline Level</a:t>
             </a:r>
-            <a:endParaRPr b="0" lang="en-US" sz="2000" strike="noStrike" u="none">
+            <a:endParaRPr b="0" lang="de-DE" sz="2000" strike="noStrike" u="none">
               <a:solidFill>
                 <a:srgbClr val="000000"/>
               </a:solidFill>
@@ -465,6 +495,9 @@
           </a:p>
           <a:p>
             <a:pPr lvl="4" marL="2160000" indent="-216000">
+              <a:lnSpc>
+                <a:spcPct val="100000"/>
+              </a:lnSpc>
               <a:spcBef>
                 <a:spcPts val="283"/>
               </a:spcBef>
@@ -486,7 +519,7 @@
               </a:rPr>
               <a:t>Fifth Outline Level</a:t>
             </a:r>
-            <a:endParaRPr b="0" lang="en-US" sz="2000" strike="noStrike" u="none">
+            <a:endParaRPr b="0" lang="de-DE" sz="2000" strike="noStrike" u="none">
               <a:solidFill>
                 <a:srgbClr val="000000"/>
               </a:solidFill>
@@ -497,6 +530,9 @@
           </a:p>
           <a:p>
             <a:pPr lvl="5" marL="2592000" indent="-216000">
+              <a:lnSpc>
+                <a:spcPct val="100000"/>
+              </a:lnSpc>
               <a:spcBef>
                 <a:spcPts val="283"/>
               </a:spcBef>
@@ -518,7 +554,7 @@
               </a:rPr>
               <a:t>Sixth Outline Level</a:t>
             </a:r>
-            <a:endParaRPr b="0" lang="en-US" sz="2000" strike="noStrike" u="none">
+            <a:endParaRPr b="0" lang="de-DE" sz="2000" strike="noStrike" u="none">
               <a:solidFill>
                 <a:srgbClr val="000000"/>
               </a:solidFill>
@@ -529,6 +565,9 @@
           </a:p>
           <a:p>
             <a:pPr lvl="6" marL="3024000" indent="-216000">
+              <a:lnSpc>
+                <a:spcPct val="100000"/>
+              </a:lnSpc>
               <a:spcBef>
                 <a:spcPts val="283"/>
               </a:spcBef>
@@ -550,7 +589,7 @@
               </a:rPr>
               <a:t>Seventh Outline Level</a:t>
             </a:r>
-            <a:endParaRPr b="0" lang="en-US" sz="2000" strike="noStrike" u="none">
+            <a:endParaRPr b="0" lang="de-DE" sz="2000" strike="noStrike" u="none">
               <a:solidFill>
                 <a:srgbClr val="000000"/>
               </a:solidFill>
@@ -596,7 +635,7 @@
         <p:spPr>
           <a:xfrm>
             <a:off x="504000" y="561600"/>
-            <a:ext cx="9071280" cy="274680"/>
+            <a:ext cx="9070560" cy="274680"/>
           </a:xfrm>
           <a:prstGeom prst="rect">
             <a:avLst/>
@@ -612,7 +651,13 @@
           </a:bodyPr>
           <a:p>
             <a:pPr indent="0">
+              <a:lnSpc>
+                <a:spcPct val="100000"/>
+              </a:lnSpc>
               <a:buNone/>
+              <a:tabLst>
+                <a:tab algn="l" pos="0"/>
+              </a:tabLst>
             </a:pPr>
             <a:r>
               <a:rPr b="0" lang="en-US" sz="1800" strike="noStrike" u="none">
@@ -625,7 +670,7 @@
               </a:rPr>
               <a:t>Click to edit the title text format</a:t>
             </a:r>
-            <a:endParaRPr b="0" lang="en-US" sz="1800" strike="noStrike" u="none">
+            <a:endParaRPr b="0" lang="de-DE" sz="1800" strike="noStrike" u="none">
               <a:solidFill>
                 <a:srgbClr val="000000"/>
               </a:solidFill>
@@ -649,7 +694,7 @@
         <p:spPr>
           <a:xfrm>
             <a:off x="504000" y="1326600"/>
-            <a:ext cx="9071280" cy="3287880"/>
+            <a:ext cx="9070560" cy="3287160"/>
           </a:xfrm>
           <a:prstGeom prst="rect">
             <a:avLst/>
@@ -665,6 +710,9 @@
           </a:bodyPr>
           <a:p>
             <a:pPr marL="432000" indent="-324000">
+              <a:lnSpc>
+                <a:spcPct val="100000"/>
+              </a:lnSpc>
               <a:spcBef>
                 <a:spcPts val="1417"/>
               </a:spcBef>
@@ -686,7 +734,7 @@
               </a:rPr>
               <a:t>Click to edit the outline text format</a:t>
             </a:r>
-            <a:endParaRPr b="0" lang="en-US" sz="1800" strike="noStrike" u="none">
+            <a:endParaRPr b="0" lang="de-DE" sz="1800" strike="noStrike" u="none">
               <a:solidFill>
                 <a:srgbClr val="000000"/>
               </a:solidFill>
@@ -697,6 +745,9 @@
           </a:p>
           <a:p>
             <a:pPr lvl="1" marL="864000" indent="-324000">
+              <a:lnSpc>
+                <a:spcPct val="100000"/>
+              </a:lnSpc>
               <a:spcBef>
                 <a:spcPts val="1134"/>
               </a:spcBef>
@@ -718,7 +769,7 @@
               </a:rPr>
               <a:t>Second Outline Level</a:t>
             </a:r>
-            <a:endParaRPr b="0" lang="en-US" sz="1800" strike="noStrike" u="none">
+            <a:endParaRPr b="0" lang="de-DE" sz="1800" strike="noStrike" u="none">
               <a:solidFill>
                 <a:srgbClr val="000000"/>
               </a:solidFill>
@@ -729,6 +780,9 @@
           </a:p>
           <a:p>
             <a:pPr lvl="2" marL="1296000" indent="-288000">
+              <a:lnSpc>
+                <a:spcPct val="100000"/>
+              </a:lnSpc>
               <a:spcBef>
                 <a:spcPts val="850"/>
               </a:spcBef>
@@ -750,7 +804,7 @@
               </a:rPr>
               <a:t>Third Outline Level</a:t>
             </a:r>
-            <a:endParaRPr b="0" lang="en-US" sz="1800" strike="noStrike" u="none">
+            <a:endParaRPr b="0" lang="de-DE" sz="1800" strike="noStrike" u="none">
               <a:solidFill>
                 <a:srgbClr val="000000"/>
               </a:solidFill>
@@ -761,6 +815,9 @@
           </a:p>
           <a:p>
             <a:pPr lvl="3" marL="1728000" indent="-216000">
+              <a:lnSpc>
+                <a:spcPct val="100000"/>
+              </a:lnSpc>
               <a:spcBef>
                 <a:spcPts val="567"/>
               </a:spcBef>
@@ -782,7 +839,7 @@
               </a:rPr>
               <a:t>Fourth Outline Level</a:t>
             </a:r>
-            <a:endParaRPr b="0" lang="en-US" sz="1800" strike="noStrike" u="none">
+            <a:endParaRPr b="0" lang="de-DE" sz="1800" strike="noStrike" u="none">
               <a:solidFill>
                 <a:srgbClr val="000000"/>
               </a:solidFill>
@@ -793,6 +850,9 @@
           </a:p>
           <a:p>
             <a:pPr lvl="4" marL="2160000" indent="-216000">
+              <a:lnSpc>
+                <a:spcPct val="100000"/>
+              </a:lnSpc>
               <a:spcBef>
                 <a:spcPts val="283"/>
               </a:spcBef>
@@ -814,7 +874,7 @@
               </a:rPr>
               <a:t>Fifth Outline Level</a:t>
             </a:r>
-            <a:endParaRPr b="0" lang="en-US" sz="1800" strike="noStrike" u="none">
+            <a:endParaRPr b="0" lang="de-DE" sz="1800" strike="noStrike" u="none">
               <a:solidFill>
                 <a:srgbClr val="000000"/>
               </a:solidFill>
@@ -825,6 +885,9 @@
           </a:p>
           <a:p>
             <a:pPr lvl="5" marL="2592000" indent="-216000">
+              <a:lnSpc>
+                <a:spcPct val="100000"/>
+              </a:lnSpc>
               <a:spcBef>
                 <a:spcPts val="283"/>
               </a:spcBef>
@@ -846,7 +909,7 @@
               </a:rPr>
               <a:t>Sixth Outline Level</a:t>
             </a:r>
-            <a:endParaRPr b="0" lang="en-US" sz="1800" strike="noStrike" u="none">
+            <a:endParaRPr b="0" lang="de-DE" sz="1800" strike="noStrike" u="none">
               <a:solidFill>
                 <a:srgbClr val="000000"/>
               </a:solidFill>
@@ -857,6 +920,9 @@
           </a:p>
           <a:p>
             <a:pPr lvl="6" marL="3024000" indent="-216000">
+              <a:lnSpc>
+                <a:spcPct val="100000"/>
+              </a:lnSpc>
               <a:spcBef>
                 <a:spcPts val="283"/>
               </a:spcBef>
@@ -878,7 +944,7 @@
               </a:rPr>
               <a:t>Seventh Outline Level</a:t>
             </a:r>
-            <a:endParaRPr b="0" lang="en-US" sz="1800" strike="noStrike" u="none">
+            <a:endParaRPr b="0" lang="de-DE" sz="1800" strike="noStrike" u="none">
               <a:solidFill>
                 <a:srgbClr val="000000"/>
               </a:solidFill>
@@ -902,7 +968,7 @@
         <p:spPr>
           <a:xfrm>
             <a:off x="3447360" y="5165280"/>
-            <a:ext cx="3194640" cy="390240"/>
+            <a:ext cx="3193920" cy="389520"/>
           </a:xfrm>
           <a:prstGeom prst="rect">
             <a:avLst/>
@@ -954,9 +1020,9 @@
                 <a:uFillTx/>
                 <a:latin typeface="Times New Roman"/>
               </a:rPr>
-              <a:t>&lt;footer&gt;</a:t>
-            </a:r>
-            <a:endParaRPr b="0" lang="en-US" sz="1400" strike="noStrike" u="none">
+              <a:t>&lt;Fußzeile&gt;</a:t>
+            </a:r>
+            <a:endParaRPr b="0" lang="de-DE" sz="1400" strike="noStrike" u="none">
               <a:solidFill>
                 <a:srgbClr val="000000"/>
               </a:solidFill>
@@ -980,7 +1046,7 @@
         <p:spPr>
           <a:xfrm>
             <a:off x="7227360" y="5165280"/>
-            <a:ext cx="2347920" cy="390240"/>
+            <a:ext cx="2347200" cy="389520"/>
           </a:xfrm>
           <a:prstGeom prst="rect">
             <a:avLst/>
@@ -1023,7 +1089,7 @@
                 <a:tab algn="l" pos="0"/>
               </a:tabLst>
             </a:pPr>
-            <a:fld id="{B4D29177-0C66-4A05-9E98-62E46D64B6CB}" type="slidenum">
+            <a:fld id="{89078F8E-A082-43F6-8FBD-A7955C0A0FBC}" type="slidenum">
               <a:rPr b="0" lang="de-DE" sz="1400" strike="noStrike" u="none">
                 <a:solidFill>
                   <a:srgbClr val="000000"/>
@@ -1032,9 +1098,9 @@
                 <a:uFillTx/>
                 <a:latin typeface="Times New Roman"/>
               </a:rPr>
-              <a:t>&lt;number&gt;</a:t>
+              <a:t>&lt;Foliennummer&gt;</a:t>
             </a:fld>
-            <a:endParaRPr b="0" lang="en-US" sz="1400" strike="noStrike" u="none">
+            <a:endParaRPr b="0" lang="de-DE" sz="1400" strike="noStrike" u="none">
               <a:solidFill>
                 <a:srgbClr val="000000"/>
               </a:solidFill>
@@ -1058,7 +1124,7 @@
         <p:spPr>
           <a:xfrm>
             <a:off x="504000" y="5165280"/>
-            <a:ext cx="2347920" cy="390240"/>
+            <a:ext cx="2347200" cy="389520"/>
           </a:xfrm>
           <a:prstGeom prst="rect">
             <a:avLst/>
@@ -1074,7 +1140,13 @@
           </a:bodyPr>
           <a:lstStyle>
             <a:lvl1pPr indent="0">
+              <a:lnSpc>
+                <a:spcPct val="100000"/>
+              </a:lnSpc>
               <a:buNone/>
+              <a:tabLst>
+                <a:tab algn="l" pos="0"/>
+              </a:tabLst>
               <a:defRPr b="0" lang="en-US" sz="1400" strike="noStrike" u="none">
                 <a:solidFill>
                   <a:srgbClr val="000000"/>
@@ -1087,7 +1159,13 @@
           </a:lstStyle>
           <a:p>
             <a:pPr indent="0">
+              <a:lnSpc>
+                <a:spcPct val="100000"/>
+              </a:lnSpc>
               <a:buNone/>
+              <a:tabLst>
+                <a:tab algn="l" pos="0"/>
+              </a:tabLst>
             </a:pPr>
             <a:r>
               <a:rPr b="0" lang="en-US" sz="1400" strike="noStrike" u="none">
@@ -1098,9 +1176,9 @@
                 <a:uFillTx/>
                 <a:latin typeface="Times New Roman"/>
               </a:rPr>
-              <a:t>&lt;date/time&gt;</a:t>
-            </a:r>
-            <a:endParaRPr b="0" lang="en-US" sz="1400" strike="noStrike" u="none">
+              <a:t>&lt;Datum/Uhrzeit&gt;</a:t>
+            </a:r>
+            <a:endParaRPr b="0" lang="de-DE" sz="1400" strike="noStrike" u="none">
               <a:solidFill>
                 <a:srgbClr val="000000"/>
               </a:solidFill>
@@ -1172,8 +1250,8 @@
         </p:nvSpPr>
         <p:spPr>
           <a:xfrm>
-            <a:off x="504000" y="225720"/>
-            <a:ext cx="9071280" cy="946800"/>
+            <a:off x="504000" y="225000"/>
+            <a:ext cx="9070560" cy="947520"/>
           </a:xfrm>
           <a:prstGeom prst="rect">
             <a:avLst/>
@@ -1208,7 +1286,7 @@
               </a:rPr>
               <a:t>Aufgaben-Management</a:t>
             </a:r>
-            <a:endParaRPr b="0" lang="en-US" sz="4400" strike="noStrike" u="none">
+            <a:endParaRPr b="0" lang="de-DE" sz="4400" strike="noStrike" u="none">
               <a:solidFill>
                 <a:srgbClr val="000000"/>
               </a:solidFill>
@@ -1231,8 +1309,8 @@
         </p:nvSpPr>
         <p:spPr>
           <a:xfrm>
-            <a:off x="504000" y="1312200"/>
-            <a:ext cx="5435640" cy="3317040"/>
+            <a:off x="504000" y="1004400"/>
+            <a:ext cx="5434920" cy="3931920"/>
           </a:xfrm>
           <a:prstGeom prst="rect">
             <a:avLst/>
@@ -1268,7 +1346,7 @@
               </a:rPr>
               <a:t>Vor Meeting: Sammeln von Aufgaben durch User Stories</a:t>
             </a:r>
-            <a:endParaRPr b="0" lang="en-US" sz="2400" strike="noStrike" u="none">
+            <a:endParaRPr b="0" lang="de-DE" sz="2400" strike="noStrike" u="none">
               <a:solidFill>
                 <a:srgbClr val="000000"/>
               </a:solidFill>
@@ -1300,7 +1378,7 @@
               </a:rPr>
               <a:t>Herauspicken von passenden Stories</a:t>
             </a:r>
-            <a:endParaRPr b="0" lang="en-US" sz="2400" strike="noStrike" u="none">
+            <a:endParaRPr b="0" lang="de-DE" sz="2400" strike="noStrike" u="none">
               <a:solidFill>
                 <a:srgbClr val="000000"/>
               </a:solidFill>
@@ -1365,7 +1443,7 @@
               </a:rPr>
               <a:t>abgedeckt( zB Tests, Bespieldatenbeschaffung, Bugfixes)</a:t>
             </a:r>
-            <a:endParaRPr b="0" lang="en-US" sz="2200" strike="noStrike" u="none">
+            <a:endParaRPr b="0" lang="de-DE" sz="2200" strike="noStrike" u="none">
               <a:solidFill>
                 <a:srgbClr val="000000"/>
               </a:solidFill>
@@ -1397,7 +1475,23 @@
               </a:rPr>
               <a:t>→ PO (Georg) guckt vor Meeting nochmal Programm durch und notiert ‚Baustellen’</a:t>
             </a:r>
-            <a:endParaRPr b="0" lang="en-US" sz="2400" strike="noStrike" u="none">
+            <a:endParaRPr b="0" lang="de-DE" sz="2400" strike="noStrike" u="none">
+              <a:solidFill>
+                <a:srgbClr val="000000"/>
+              </a:solidFill>
+              <a:effectLst/>
+              <a:uFillTx/>
+              <a:latin typeface="Arial"/>
+            </a:endParaRPr>
+          </a:p>
+          <a:p>
+            <a:pPr lvl="1" marL="432000" indent="0">
+              <a:lnSpc>
+                <a:spcPct val="100000"/>
+              </a:lnSpc>
+              <a:buNone/>
+            </a:pPr>
+            <a:endParaRPr b="0" lang="de-DE" sz="2400" strike="noStrike" u="none">
               <a:solidFill>
                 <a:srgbClr val="000000"/>
               </a:solidFill>
@@ -1421,7 +1515,7 @@
         <p:spPr>
           <a:xfrm>
             <a:off x="5940000" y="1312560"/>
-            <a:ext cx="4004640" cy="2522160"/>
+            <a:ext cx="4003920" cy="2521440"/>
           </a:xfrm>
           <a:prstGeom prst="rect">
             <a:avLst/>
@@ -1445,7 +1539,7 @@
         <p:spPr>
           <a:xfrm>
             <a:off x="5715720" y="4082400"/>
-            <a:ext cx="4183920" cy="777240"/>
+            <a:ext cx="4183200" cy="776520"/>
           </a:xfrm>
           <a:prstGeom prst="rect">
             <a:avLst/>
@@ -1498,8 +1592,8 @@
         </p:nvSpPr>
         <p:spPr>
           <a:xfrm>
-            <a:off x="504000" y="225720"/>
-            <a:ext cx="9071280" cy="946800"/>
+            <a:off x="504000" y="225000"/>
+            <a:ext cx="9070560" cy="947520"/>
           </a:xfrm>
           <a:prstGeom prst="rect">
             <a:avLst/>
@@ -1534,7 +1628,7 @@
               </a:rPr>
               <a:t>Aufgaben-Management</a:t>
             </a:r>
-            <a:endParaRPr b="0" lang="en-US" sz="4400" strike="noStrike" u="none">
+            <a:endParaRPr b="0" lang="de-DE" sz="4400" strike="noStrike" u="none">
               <a:solidFill>
                 <a:srgbClr val="000000"/>
               </a:solidFill>
@@ -1558,7 +1652,7 @@
         <p:spPr>
           <a:xfrm>
             <a:off x="504000" y="1326600"/>
-            <a:ext cx="4355640" cy="4073040"/>
+            <a:ext cx="4354920" cy="4072320"/>
           </a:xfrm>
           <a:prstGeom prst="rect">
             <a:avLst/>
@@ -1597,7 +1691,7 @@
               </a:rPr>
               <a:t>Aufgabenzuteilung im Meeting</a:t>
             </a:r>
-            <a:endParaRPr b="0" lang="en-US" sz="2800" strike="noStrike" u="none">
+            <a:endParaRPr b="0" lang="de-DE" sz="2800" strike="noStrike" u="none">
               <a:solidFill>
                 <a:srgbClr val="000000"/>
               </a:solidFill>
@@ -1632,7 +1726,7 @@
               </a:rPr>
               <a:t>Teilw freiwilig, teilw mit passender Zuteilung</a:t>
             </a:r>
-            <a:endParaRPr b="0" lang="en-US" sz="2600" strike="noStrike" u="none">
+            <a:endParaRPr b="0" lang="de-DE" sz="2600" strike="noStrike" u="none">
               <a:solidFill>
                 <a:srgbClr val="000000"/>
               </a:solidFill>
@@ -1666,7 +1760,7 @@
               </a:rPr>
               <a:t>Aufgabenerfüllung prüfen</a:t>
             </a:r>
-            <a:endParaRPr b="0" lang="en-US" sz="2800" strike="noStrike" u="none">
+            <a:endParaRPr b="0" lang="de-DE" sz="2800" strike="noStrike" u="none">
               <a:solidFill>
                 <a:srgbClr val="000000"/>
               </a:solidFill>
@@ -1701,7 +1795,7 @@
               </a:rPr>
               <a:t>Im Meeting vorzeigen, falls niemand Fehler findet, gilt es als abgeschlossen</a:t>
             </a:r>
-            <a:endParaRPr b="0" lang="en-US" sz="2600" strike="noStrike" u="none">
+            <a:endParaRPr b="0" lang="de-DE" sz="2600" strike="noStrike" u="none">
               <a:solidFill>
                 <a:srgbClr val="000000"/>
               </a:solidFill>
@@ -1725,7 +1819,7 @@
         <p:spPr>
           <a:xfrm>
             <a:off x="5466960" y="1620000"/>
-            <a:ext cx="3892680" cy="2078640"/>
+            <a:ext cx="3891960" cy="2077920"/>
           </a:xfrm>
           <a:prstGeom prst="rect">
             <a:avLst/>
@@ -1778,8 +1872,8 @@
         </p:nvSpPr>
         <p:spPr>
           <a:xfrm>
-            <a:off x="504000" y="225720"/>
-            <a:ext cx="9071280" cy="946800"/>
+            <a:off x="504000" y="225000"/>
+            <a:ext cx="9070560" cy="947520"/>
           </a:xfrm>
           <a:prstGeom prst="rect">
             <a:avLst/>
@@ -1814,7 +1908,7 @@
               </a:rPr>
               <a:t>Feedback-Erlangung</a:t>
             </a:r>
-            <a:endParaRPr b="0" lang="en-US" sz="4400" strike="noStrike" u="none">
+            <a:endParaRPr b="0" lang="de-DE" sz="4400" strike="noStrike" u="none">
               <a:solidFill>
                 <a:srgbClr val="000000"/>
               </a:solidFill>
@@ -1838,7 +1932,7 @@
         <p:spPr>
           <a:xfrm>
             <a:off x="504000" y="1326600"/>
-            <a:ext cx="9071280" cy="3287880"/>
+            <a:ext cx="9070560" cy="3287160"/>
           </a:xfrm>
           <a:prstGeom prst="rect">
             <a:avLst/>
@@ -1878,7 +1972,7 @@
               </a:rPr>
               <a:t>Besprechung mit Stakeholdern (alle 4 Wochen)</a:t>
             </a:r>
-            <a:endParaRPr b="0" lang="en-US" sz="3200" strike="noStrike" u="none">
+            <a:endParaRPr b="0" lang="de-DE" sz="3200" strike="noStrike" u="none">
               <a:solidFill>
                 <a:srgbClr val="000000"/>
               </a:solidFill>
@@ -1913,7 +2007,7 @@
               </a:rPr>
               <a:t>Ausbauphase der App mit eigenen Zielen</a:t>
             </a:r>
-            <a:endParaRPr b="0" lang="en-US" sz="3200" strike="noStrike" u="none">
+            <a:endParaRPr b="0" lang="de-DE" sz="3200" strike="noStrike" u="none">
               <a:solidFill>
                 <a:srgbClr val="000000"/>
               </a:solidFill>
@@ -1948,7 +2042,7 @@
               </a:rPr>
               <a:t>Status von (wichtigen)                                     User Stories</a:t>
             </a:r>
-            <a:endParaRPr b="0" lang="en-US" sz="3200" strike="noStrike" u="none">
+            <a:endParaRPr b="0" lang="de-DE" sz="3200" strike="noStrike" u="none">
               <a:solidFill>
                 <a:srgbClr val="000000"/>
               </a:solidFill>
@@ -1966,8 +2060,11 @@
                 <a:spcPts val="1417"/>
               </a:spcBef>
               <a:buNone/>
-            </a:pPr>
-            <a:endParaRPr b="0" lang="en-US" sz="3200" strike="noStrike" u="none">
+              <a:tabLst>
+                <a:tab algn="l" pos="0"/>
+              </a:tabLst>
+            </a:pPr>
+            <a:endParaRPr b="0" lang="de-DE" sz="3200" strike="noStrike" u="none">
               <a:solidFill>
                 <a:srgbClr val="000000"/>
               </a:solidFill>
@@ -1991,7 +2088,7 @@
         <p:spPr>
           <a:xfrm>
             <a:off x="5040000" y="2893680"/>
-            <a:ext cx="4723920" cy="2145960"/>
+            <a:ext cx="4723200" cy="2145240"/>
           </a:xfrm>
           <a:prstGeom prst="rect">
             <a:avLst/>
@@ -2002,6 +2099,63 @@
           </a:ln>
         </p:spPr>
       </p:pic>
+      <p:sp>
+        <p:nvSpPr>
+          <p:cNvPr id="20" name=""/>
+          <p:cNvSpPr/>
+          <p:nvPr/>
+        </p:nvSpPr>
+        <p:spPr>
+          <a:xfrm>
+            <a:off x="5040000" y="5040000"/>
+            <a:ext cx="4680000" cy="360000"/>
+          </a:xfrm>
+          <a:prstGeom prst="roundRect">
+            <a:avLst>
+              <a:gd name="adj" fmla="val 16667"/>
+            </a:avLst>
+          </a:prstGeom>
+          <a:noFill/>
+          <a:ln w="0">
+            <a:solidFill>
+              <a:srgbClr val="cccccc"/>
+            </a:solidFill>
+          </a:ln>
+        </p:spPr>
+        <p:style>
+          <a:lnRef idx="0"/>
+          <a:fillRef idx="0"/>
+          <a:effectRef idx="0"/>
+          <a:fontRef idx="minor"/>
+        </p:style>
+        <p:txBody>
+          <a:bodyPr wrap="none" lIns="0" rIns="0" tIns="0" bIns="0" anchor="ctr">
+            <a:noAutofit/>
+          </a:bodyPr>
+          <a:p>
+            <a:pPr algn="ctr"/>
+            <a:r>
+              <a:rPr b="0" lang="de-DE" sz="800" strike="noStrike" u="none">
+                <a:solidFill>
+                  <a:srgbClr val="000000"/>
+                </a:solidFill>
+                <a:effectLst/>
+                <a:uFillTx/>
+                <a:latin typeface="Noto Sans"/>
+              </a:rPr>
+              <a:t>Miro-Board: https://miro.com/app/board/uXjVICkDR1A=/</a:t>
+            </a:r>
+            <a:endParaRPr b="0" lang="de-DE" sz="800" strike="noStrike" u="none">
+              <a:solidFill>
+                <a:srgbClr val="000000"/>
+              </a:solidFill>
+              <a:effectLst/>
+              <a:uFillTx/>
+              <a:latin typeface="Noto Sans"/>
+            </a:endParaRPr>
+          </a:p>
+        </p:txBody>
+      </p:sp>
     </p:spTree>
   </p:cSld>
   <mc:AlternateContent>
@@ -2034,7 +2188,7 @@
       </p:grpSpPr>
       <p:sp>
         <p:nvSpPr>
-          <p:cNvPr id="20" name="PlaceHolder 1"/>
+          <p:cNvPr id="21" name="PlaceHolder 1"/>
           <p:cNvSpPr>
             <a:spLocks noGrp="1"/>
           </p:cNvSpPr>
@@ -2044,8 +2198,8 @@
         </p:nvSpPr>
         <p:spPr>
           <a:xfrm>
-            <a:off x="504000" y="225720"/>
-            <a:ext cx="9071280" cy="946800"/>
+            <a:off x="504000" y="225000"/>
+            <a:ext cx="9070560" cy="947520"/>
           </a:xfrm>
           <a:prstGeom prst="rect">
             <a:avLst/>
@@ -2080,7 +2234,7 @@
               </a:rPr>
               <a:t>Konfliktlösung</a:t>
             </a:r>
-            <a:endParaRPr b="0" lang="en-US" sz="4400" strike="noStrike" u="none">
+            <a:endParaRPr b="0" lang="de-DE" sz="4400" strike="noStrike" u="none">
               <a:solidFill>
                 <a:srgbClr val="000000"/>
               </a:solidFill>
@@ -2093,7 +2247,7 @@
       </p:sp>
       <p:sp>
         <p:nvSpPr>
-          <p:cNvPr id="21" name="PlaceHolder 2"/>
+          <p:cNvPr id="22" name="PlaceHolder 2"/>
           <p:cNvSpPr>
             <a:spLocks noGrp="1"/>
           </p:cNvSpPr>
@@ -2104,7 +2258,7 @@
         <p:spPr>
           <a:xfrm>
             <a:off x="504000" y="1326600"/>
-            <a:ext cx="9071280" cy="3287880"/>
+            <a:ext cx="9070560" cy="3287160"/>
           </a:xfrm>
           <a:prstGeom prst="rect">
             <a:avLst/>
@@ -2116,7 +2270,7 @@
         </p:spPr>
         <p:txBody>
           <a:bodyPr lIns="0" rIns="0" tIns="0" bIns="0" anchor="t">
-            <a:normAutofit/>
+            <a:normAutofit fontScale="92500" lnSpcReduction="19999"/>
           </a:bodyPr>
           <a:p>
             <a:pPr marL="432000" indent="-324000">
@@ -2144,7 +2298,7 @@
               </a:rPr>
               <a:t>Bisher keine größeren Konflikte</a:t>
             </a:r>
-            <a:endParaRPr b="0" lang="en-US" sz="3200" strike="noStrike" u="none">
+            <a:endParaRPr b="0" lang="de-DE" sz="3200" strike="noStrike" u="none">
               <a:solidFill>
                 <a:srgbClr val="000000"/>
               </a:solidFill>
@@ -2177,9 +2331,9 @@
                 <a:uFillTx/>
                 <a:latin typeface="Arial"/>
               </a:rPr>
-              <a:t>Bei Entstehung werden diese angesprochen und möglichst gut für alle Seiten gelöst</a:t>
-            </a:r>
-            <a:endParaRPr b="0" lang="en-US" sz="3200" strike="noStrike" u="none">
+              <a:t>Face-to-Face – Meetings → Konflikte können gut und schnell angesprochen werden</a:t>
+            </a:r>
+            <a:endParaRPr b="0" lang="de-DE" sz="3200" strike="noStrike" u="none">
               <a:solidFill>
                 <a:srgbClr val="000000"/>
               </a:solidFill>
@@ -2212,9 +2366,44 @@
                 <a:uFillTx/>
                 <a:latin typeface="Arial"/>
               </a:rPr>
+              <a:t>Bei Entstehung werden diese möglichst gut für alle Seiten gelöst</a:t>
+            </a:r>
+            <a:endParaRPr b="0" lang="de-DE" sz="3200" strike="noStrike" u="none">
+              <a:solidFill>
+                <a:srgbClr val="000000"/>
+              </a:solidFill>
+              <a:effectLst/>
+              <a:uFillTx/>
+              <a:latin typeface="Arial"/>
+            </a:endParaRPr>
+          </a:p>
+          <a:p>
+            <a:pPr marL="432000" indent="-324000">
+              <a:lnSpc>
+                <a:spcPct val="100000"/>
+              </a:lnSpc>
+              <a:spcBef>
+                <a:spcPts val="1417"/>
+              </a:spcBef>
+              <a:buClr>
+                <a:srgbClr val="000000"/>
+              </a:buClr>
+              <a:buSzPct val="45000"/>
+              <a:buFont typeface="Wingdings" charset="2"/>
+              <a:buChar char=""/>
+            </a:pPr>
+            <a:r>
+              <a:rPr b="0" lang="de-DE" sz="3200" strike="noStrike" u="none">
+                <a:solidFill>
+                  <a:srgbClr val="000000"/>
+                </a:solidFill>
+                <a:effectLst/>
+                <a:uFillTx/>
+                <a:latin typeface="Arial"/>
+              </a:rPr>
               <a:t>Zur Vorbeugung: Veranstaltung eines Teambuildenden Billiardabends im Juli</a:t>
             </a:r>
-            <a:endParaRPr b="0" lang="en-US" sz="3200" strike="noStrike" u="none">
+            <a:endParaRPr b="0" lang="de-DE" sz="3200" strike="noStrike" u="none">
               <a:solidFill>
                 <a:srgbClr val="000000"/>
               </a:solidFill>
@@ -2257,7 +2446,7 @@
       </p:grpSpPr>
       <p:sp>
         <p:nvSpPr>
-          <p:cNvPr id="22" name="PlaceHolder 1"/>
+          <p:cNvPr id="23" name="PlaceHolder 1"/>
           <p:cNvSpPr>
             <a:spLocks noGrp="1"/>
           </p:cNvSpPr>
@@ -2267,8 +2456,8 @@
         </p:nvSpPr>
         <p:spPr>
           <a:xfrm>
-            <a:off x="504000" y="225720"/>
-            <a:ext cx="9071280" cy="946800"/>
+            <a:off x="504000" y="225000"/>
+            <a:ext cx="9070560" cy="947520"/>
           </a:xfrm>
           <a:prstGeom prst="rect">
             <a:avLst/>
@@ -2303,7 +2492,7 @@
               </a:rPr>
               <a:t>Erfolge, Probleme</a:t>
             </a:r>
-            <a:endParaRPr b="0" lang="en-US" sz="4400" strike="noStrike" u="none">
+            <a:endParaRPr b="0" lang="de-DE" sz="4400" strike="noStrike" u="none">
               <a:solidFill>
                 <a:srgbClr val="000000"/>
               </a:solidFill>
@@ -2316,7 +2505,7 @@
       </p:sp>
       <p:sp>
         <p:nvSpPr>
-          <p:cNvPr id="23" name="PlaceHolder 2"/>
+          <p:cNvPr id="24" name="PlaceHolder 2"/>
           <p:cNvSpPr>
             <a:spLocks noGrp="1"/>
           </p:cNvSpPr>
@@ -2327,7 +2516,7 @@
         <p:spPr>
           <a:xfrm>
             <a:off x="504000" y="1326600"/>
-            <a:ext cx="9071280" cy="4073040"/>
+            <a:ext cx="9070560" cy="4072320"/>
           </a:xfrm>
           <a:prstGeom prst="rect">
             <a:avLst/>
@@ -2367,7 +2556,7 @@
               </a:rPr>
               <a:t>Erfolge:</a:t>
             </a:r>
-            <a:endParaRPr b="0" lang="en-US" sz="3200" strike="noStrike" u="none">
+            <a:endParaRPr b="0" lang="de-DE" sz="3200" strike="noStrike" u="none">
               <a:solidFill>
                 <a:srgbClr val="000000"/>
               </a:solidFill>
@@ -2402,7 +2591,7 @@
               </a:rPr>
               <a:t>Fortbestand als Team mit gutem Spirit</a:t>
             </a:r>
-            <a:endParaRPr b="0" lang="en-US" sz="2800" strike="noStrike" u="none">
+            <a:endParaRPr b="0" lang="de-DE" sz="2800" strike="noStrike" u="none">
               <a:solidFill>
                 <a:srgbClr val="000000"/>
               </a:solidFill>
@@ -2437,7 +2626,7 @@
               </a:rPr>
               <a:t>Allgemeine Zufriedenheit mit App(-entwicklung)</a:t>
             </a:r>
-            <a:endParaRPr b="0" lang="en-US" sz="2800" strike="noStrike" u="none">
+            <a:endParaRPr b="0" lang="de-DE" sz="2800" strike="noStrike" u="none">
               <a:solidFill>
                 <a:srgbClr val="000000"/>
               </a:solidFill>
@@ -2472,7 +2661,7 @@
               </a:rPr>
               <a:t>Probleme</a:t>
             </a:r>
-            <a:endParaRPr b="0" lang="en-US" sz="3200" strike="noStrike" u="none">
+            <a:endParaRPr b="0" lang="de-DE" sz="3200" strike="noStrike" u="none">
               <a:solidFill>
                 <a:srgbClr val="000000"/>
               </a:solidFill>
@@ -2507,7 +2696,7 @@
               </a:rPr>
               <a:t>Dokumentation (zB in Abgabedokumenten)</a:t>
             </a:r>
-            <a:endParaRPr b="0" lang="en-US" sz="2800" strike="noStrike" u="none">
+            <a:endParaRPr b="0" lang="de-DE" sz="2800" strike="noStrike" u="none">
               <a:solidFill>
                 <a:srgbClr val="000000"/>
               </a:solidFill>
@@ -2540,7 +2729,7 @@
               </a:rPr>
               <a:t> </a:t>
             </a:r>
-            <a:endParaRPr b="0" lang="en-US" sz="2800" strike="noStrike" u="none">
+            <a:endParaRPr b="0" lang="de-DE" sz="2800" strike="noStrike" u="none">
               <a:solidFill>
                 <a:srgbClr val="000000"/>
               </a:solidFill>
